--- a/Slides.pptx
+++ b/Slides.pptx
@@ -10,6 +10,16 @@
     <p:sldId id="259" r:id="rId4"/>
     <p:sldId id="260" r:id="rId5"/>
     <p:sldId id="257" r:id="rId6"/>
+    <p:sldId id="261" r:id="rId7"/>
+    <p:sldId id="262" r:id="rId8"/>
+    <p:sldId id="263" r:id="rId9"/>
+    <p:sldId id="264" r:id="rId10"/>
+    <p:sldId id="265" r:id="rId11"/>
+    <p:sldId id="266" r:id="rId12"/>
+    <p:sldId id="267" r:id="rId13"/>
+    <p:sldId id="268" r:id="rId14"/>
+    <p:sldId id="269" r:id="rId15"/>
+    <p:sldId id="270" r:id="rId16"/>
   </p:sldIdLst>
   <p:sldSz cx="12192000" cy="6858000"/>
   <p:notesSz cx="6858000" cy="9144000"/>
@@ -108,6 +118,11 @@
       </a:defRPr>
     </a:lvl9pPr>
   </p:defaultTextStyle>
+  <p:extLst>
+    <p:ext uri="{EFAFB233-063F-42B5-8137-9DF3F51BA10A}">
+      <p15:sldGuideLst xmlns:p15="http://schemas.microsoft.com/office/powerpoint/2012/main"/>
+    </p:ext>
+  </p:extLst>
 </p:presentation>
 </file>
 
@@ -260,7 +275,7 @@
           <a:p>
             <a:fld id="{C4DE8108-F81C-4AAB-B113-55C47FC8223C}" type="datetimeFigureOut">
               <a:rPr lang="en-US" smtClean="0"/>
-              <a:t>9/21/2024</a:t>
+              <a:t>11/10/2024</a:t>
             </a:fld>
             <a:endParaRPr lang="en-US"/>
           </a:p>
@@ -460,7 +475,7 @@
           <a:p>
             <a:fld id="{C4DE8108-F81C-4AAB-B113-55C47FC8223C}" type="datetimeFigureOut">
               <a:rPr lang="en-US" smtClean="0"/>
-              <a:t>9/21/2024</a:t>
+              <a:t>11/10/2024</a:t>
             </a:fld>
             <a:endParaRPr lang="en-US"/>
           </a:p>
@@ -670,7 +685,7 @@
           <a:p>
             <a:fld id="{C4DE8108-F81C-4AAB-B113-55C47FC8223C}" type="datetimeFigureOut">
               <a:rPr lang="en-US" smtClean="0"/>
-              <a:t>9/21/2024</a:t>
+              <a:t>11/10/2024</a:t>
             </a:fld>
             <a:endParaRPr lang="en-US"/>
           </a:p>
@@ -870,7 +885,7 @@
           <a:p>
             <a:fld id="{C4DE8108-F81C-4AAB-B113-55C47FC8223C}" type="datetimeFigureOut">
               <a:rPr lang="en-US" smtClean="0"/>
-              <a:t>9/21/2024</a:t>
+              <a:t>11/10/2024</a:t>
             </a:fld>
             <a:endParaRPr lang="en-US"/>
           </a:p>
@@ -1146,7 +1161,7 @@
           <a:p>
             <a:fld id="{C4DE8108-F81C-4AAB-B113-55C47FC8223C}" type="datetimeFigureOut">
               <a:rPr lang="en-US" smtClean="0"/>
-              <a:t>9/21/2024</a:t>
+              <a:t>11/10/2024</a:t>
             </a:fld>
             <a:endParaRPr lang="en-US"/>
           </a:p>
@@ -1414,7 +1429,7 @@
           <a:p>
             <a:fld id="{C4DE8108-F81C-4AAB-B113-55C47FC8223C}" type="datetimeFigureOut">
               <a:rPr lang="en-US" smtClean="0"/>
-              <a:t>9/21/2024</a:t>
+              <a:t>11/10/2024</a:t>
             </a:fld>
             <a:endParaRPr lang="en-US"/>
           </a:p>
@@ -1829,7 +1844,7 @@
           <a:p>
             <a:fld id="{C4DE8108-F81C-4AAB-B113-55C47FC8223C}" type="datetimeFigureOut">
               <a:rPr lang="en-US" smtClean="0"/>
-              <a:t>9/21/2024</a:t>
+              <a:t>11/10/2024</a:t>
             </a:fld>
             <a:endParaRPr lang="en-US"/>
           </a:p>
@@ -1971,7 +1986,7 @@
           <a:p>
             <a:fld id="{C4DE8108-F81C-4AAB-B113-55C47FC8223C}" type="datetimeFigureOut">
               <a:rPr lang="en-US" smtClean="0"/>
-              <a:t>9/21/2024</a:t>
+              <a:t>11/10/2024</a:t>
             </a:fld>
             <a:endParaRPr lang="en-US"/>
           </a:p>
@@ -2084,7 +2099,7 @@
           <a:p>
             <a:fld id="{C4DE8108-F81C-4AAB-B113-55C47FC8223C}" type="datetimeFigureOut">
               <a:rPr lang="en-US" smtClean="0"/>
-              <a:t>9/21/2024</a:t>
+              <a:t>11/10/2024</a:t>
             </a:fld>
             <a:endParaRPr lang="en-US"/>
           </a:p>
@@ -2397,7 +2412,7 @@
           <a:p>
             <a:fld id="{C4DE8108-F81C-4AAB-B113-55C47FC8223C}" type="datetimeFigureOut">
               <a:rPr lang="en-US" smtClean="0"/>
-              <a:t>9/21/2024</a:t>
+              <a:t>11/10/2024</a:t>
             </a:fld>
             <a:endParaRPr lang="en-US"/>
           </a:p>
@@ -2686,7 +2701,7 @@
           <a:p>
             <a:fld id="{C4DE8108-F81C-4AAB-B113-55C47FC8223C}" type="datetimeFigureOut">
               <a:rPr lang="en-US" smtClean="0"/>
-              <a:t>9/21/2024</a:t>
+              <a:t>11/10/2024</a:t>
             </a:fld>
             <a:endParaRPr lang="en-US"/>
           </a:p>
@@ -2929,7 +2944,7 @@
           <a:p>
             <a:fld id="{C4DE8108-F81C-4AAB-B113-55C47FC8223C}" type="datetimeFigureOut">
               <a:rPr lang="en-US" smtClean="0"/>
-              <a:t>9/21/2024</a:t>
+              <a:t>11/10/2024</a:t>
             </a:fld>
             <a:endParaRPr lang="en-US"/>
           </a:p>
@@ -3427,6 +3442,1138 @@
 </p:sld>
 </file>
 
+<file path=ppt/slides/slide10.xml><?xml version="1.0" encoding="utf-8"?>
+<p:sld xmlns:a="http://schemas.openxmlformats.org/drawingml/2006/main" xmlns:r="http://schemas.openxmlformats.org/officeDocument/2006/relationships" xmlns:p="http://schemas.openxmlformats.org/presentationml/2006/main">
+  <p:cSld>
+    <p:spTree>
+      <p:nvGrpSpPr>
+        <p:cNvPr id="1" name=""/>
+        <p:cNvGrpSpPr/>
+        <p:nvPr/>
+      </p:nvGrpSpPr>
+      <p:grpSpPr>
+        <a:xfrm>
+          <a:off x="0" y="0"/>
+          <a:ext cx="0" cy="0"/>
+          <a:chOff x="0" y="0"/>
+          <a:chExt cx="0" cy="0"/>
+        </a:xfrm>
+      </p:grpSpPr>
+      <p:sp>
+        <p:nvSpPr>
+          <p:cNvPr id="2" name="标题 1">
+            <a:extLst>
+              <a:ext uri="{FF2B5EF4-FFF2-40B4-BE49-F238E27FC236}">
+                <a16:creationId xmlns:a16="http://schemas.microsoft.com/office/drawing/2014/main" id="{33742964-7556-449B-94A9-77AAD54B69FC}"/>
+              </a:ext>
+            </a:extLst>
+          </p:cNvPr>
+          <p:cNvSpPr>
+            <a:spLocks noGrp="1"/>
+          </p:cNvSpPr>
+          <p:nvPr>
+            <p:ph type="title"/>
+          </p:nvPr>
+        </p:nvSpPr>
+        <p:spPr/>
+        <p:txBody>
+          <a:bodyPr/>
+          <a:lstStyle/>
+          <a:p>
+            <a:r>
+              <a:rPr lang="en-US" dirty="0"/>
+              <a:t>Check::Lithosphere::UC </a:t>
+            </a:r>
+            <a:r>
+              <a:rPr lang="zh-CN" altLang="en-US" dirty="0"/>
+              <a:t>通过</a:t>
+            </a:r>
+            <a:endParaRPr lang="en-US" dirty="0"/>
+          </a:p>
+        </p:txBody>
+      </p:sp>
+      <p:pic>
+        <p:nvPicPr>
+          <p:cNvPr id="7" name="图片 6">
+            <a:extLst>
+              <a:ext uri="{FF2B5EF4-FFF2-40B4-BE49-F238E27FC236}">
+                <a16:creationId xmlns:a16="http://schemas.microsoft.com/office/drawing/2014/main" id="{EECAF032-71D4-4791-A7D7-C2D53B5F906C}"/>
+              </a:ext>
+            </a:extLst>
+          </p:cNvPr>
+          <p:cNvPicPr>
+            <a:picLocks noChangeAspect="1"/>
+          </p:cNvPicPr>
+          <p:nvPr/>
+        </p:nvPicPr>
+        <p:blipFill>
+          <a:blip r:embed="rId2"/>
+          <a:stretch>
+            <a:fillRect/>
+          </a:stretch>
+        </p:blipFill>
+        <p:spPr>
+          <a:xfrm>
+            <a:off x="6201220" y="1636832"/>
+            <a:ext cx="4256425" cy="2331447"/>
+          </a:xfrm>
+          <a:prstGeom prst="rect">
+            <a:avLst/>
+          </a:prstGeom>
+        </p:spPr>
+      </p:pic>
+      <p:pic>
+        <p:nvPicPr>
+          <p:cNvPr id="9" name="图片 8">
+            <a:extLst>
+              <a:ext uri="{FF2B5EF4-FFF2-40B4-BE49-F238E27FC236}">
+                <a16:creationId xmlns:a16="http://schemas.microsoft.com/office/drawing/2014/main" id="{42E4FDEA-4ED6-4179-A254-4E66D46BD145}"/>
+              </a:ext>
+            </a:extLst>
+          </p:cNvPr>
+          <p:cNvPicPr>
+            <a:picLocks noChangeAspect="1"/>
+          </p:cNvPicPr>
+          <p:nvPr/>
+        </p:nvPicPr>
+        <p:blipFill>
+          <a:blip r:embed="rId3"/>
+          <a:stretch>
+            <a:fillRect/>
+          </a:stretch>
+        </p:blipFill>
+        <p:spPr>
+          <a:xfrm>
+            <a:off x="975484" y="1833924"/>
+            <a:ext cx="3963563" cy="2190013"/>
+          </a:xfrm>
+          <a:prstGeom prst="rect">
+            <a:avLst/>
+          </a:prstGeom>
+        </p:spPr>
+      </p:pic>
+      <p:pic>
+        <p:nvPicPr>
+          <p:cNvPr id="13" name="图片 12">
+            <a:extLst>
+              <a:ext uri="{FF2B5EF4-FFF2-40B4-BE49-F238E27FC236}">
+                <a16:creationId xmlns:a16="http://schemas.microsoft.com/office/drawing/2014/main" id="{7B2CC95F-BD0B-412D-8A4B-4971C923EF95}"/>
+              </a:ext>
+            </a:extLst>
+          </p:cNvPr>
+          <p:cNvPicPr>
+            <a:picLocks noChangeAspect="1"/>
+          </p:cNvPicPr>
+          <p:nvPr/>
+        </p:nvPicPr>
+        <p:blipFill>
+          <a:blip r:embed="rId4"/>
+          <a:stretch>
+            <a:fillRect/>
+          </a:stretch>
+        </p:blipFill>
+        <p:spPr>
+          <a:xfrm>
+            <a:off x="6201220" y="4217832"/>
+            <a:ext cx="4153452" cy="2275044"/>
+          </a:xfrm>
+          <a:prstGeom prst="rect">
+            <a:avLst/>
+          </a:prstGeom>
+        </p:spPr>
+      </p:pic>
+      <p:pic>
+        <p:nvPicPr>
+          <p:cNvPr id="15" name="图片 14">
+            <a:extLst>
+              <a:ext uri="{FF2B5EF4-FFF2-40B4-BE49-F238E27FC236}">
+                <a16:creationId xmlns:a16="http://schemas.microsoft.com/office/drawing/2014/main" id="{159A2330-25B1-4E8E-A3B3-85396385EFAE}"/>
+              </a:ext>
+            </a:extLst>
+          </p:cNvPr>
+          <p:cNvPicPr>
+            <a:picLocks noChangeAspect="1"/>
+          </p:cNvPicPr>
+          <p:nvPr/>
+        </p:nvPicPr>
+        <p:blipFill>
+          <a:blip r:embed="rId5"/>
+          <a:stretch>
+            <a:fillRect/>
+          </a:stretch>
+        </p:blipFill>
+        <p:spPr>
+          <a:xfrm>
+            <a:off x="1065636" y="4217832"/>
+            <a:ext cx="3751062" cy="2452924"/>
+          </a:xfrm>
+          <a:prstGeom prst="rect">
+            <a:avLst/>
+          </a:prstGeom>
+        </p:spPr>
+      </p:pic>
+    </p:spTree>
+    <p:extLst>
+      <p:ext uri="{BB962C8B-B14F-4D97-AF65-F5344CB8AC3E}">
+        <p14:creationId xmlns:p14="http://schemas.microsoft.com/office/powerpoint/2010/main" val="2530100514"/>
+      </p:ext>
+    </p:extLst>
+  </p:cSld>
+  <p:clrMapOvr>
+    <a:masterClrMapping/>
+  </p:clrMapOvr>
+</p:sld>
+</file>
+
+<file path=ppt/slides/slide11.xml><?xml version="1.0" encoding="utf-8"?>
+<p:sld xmlns:a="http://schemas.openxmlformats.org/drawingml/2006/main" xmlns:r="http://schemas.openxmlformats.org/officeDocument/2006/relationships" xmlns:p="http://schemas.openxmlformats.org/presentationml/2006/main">
+  <p:cSld>
+    <p:spTree>
+      <p:nvGrpSpPr>
+        <p:cNvPr id="1" name=""/>
+        <p:cNvGrpSpPr/>
+        <p:nvPr/>
+      </p:nvGrpSpPr>
+      <p:grpSpPr>
+        <a:xfrm>
+          <a:off x="0" y="0"/>
+          <a:ext cx="0" cy="0"/>
+          <a:chOff x="0" y="0"/>
+          <a:chExt cx="0" cy="0"/>
+        </a:xfrm>
+      </p:grpSpPr>
+      <p:sp>
+        <p:nvSpPr>
+          <p:cNvPr id="2" name="标题 1">
+            <a:extLst>
+              <a:ext uri="{FF2B5EF4-FFF2-40B4-BE49-F238E27FC236}">
+                <a16:creationId xmlns:a16="http://schemas.microsoft.com/office/drawing/2014/main" id="{317E2E60-396D-429B-8233-A3A0BF9D4D35}"/>
+              </a:ext>
+            </a:extLst>
+          </p:cNvPr>
+          <p:cNvSpPr>
+            <a:spLocks noGrp="1"/>
+          </p:cNvSpPr>
+          <p:nvPr>
+            <p:ph type="title"/>
+          </p:nvPr>
+        </p:nvSpPr>
+        <p:spPr/>
+        <p:txBody>
+          <a:bodyPr/>
+          <a:lstStyle/>
+          <a:p>
+            <a:r>
+              <a:rPr lang="en-US" altLang="zh-CN" dirty="0"/>
+              <a:t>Check::Lithosphere::MC </a:t>
+            </a:r>
+            <a:r>
+              <a:rPr lang="zh-CN" altLang="en-US" dirty="0"/>
+              <a:t>通过</a:t>
+            </a:r>
+            <a:endParaRPr lang="en-US" dirty="0"/>
+          </a:p>
+        </p:txBody>
+      </p:sp>
+      <p:pic>
+        <p:nvPicPr>
+          <p:cNvPr id="22" name="图片 21">
+            <a:extLst>
+              <a:ext uri="{FF2B5EF4-FFF2-40B4-BE49-F238E27FC236}">
+                <a16:creationId xmlns:a16="http://schemas.microsoft.com/office/drawing/2014/main" id="{467FFBEA-309A-4472-87EF-1777A6C02551}"/>
+              </a:ext>
+            </a:extLst>
+          </p:cNvPr>
+          <p:cNvPicPr>
+            <a:picLocks noChangeAspect="1"/>
+          </p:cNvPicPr>
+          <p:nvPr/>
+        </p:nvPicPr>
+        <p:blipFill>
+          <a:blip r:embed="rId2"/>
+          <a:stretch>
+            <a:fillRect/>
+          </a:stretch>
+        </p:blipFill>
+        <p:spPr>
+          <a:xfrm>
+            <a:off x="6497881" y="4001365"/>
+            <a:ext cx="4301500" cy="2387139"/>
+          </a:xfrm>
+          <a:prstGeom prst="rect">
+            <a:avLst/>
+          </a:prstGeom>
+        </p:spPr>
+      </p:pic>
+      <p:pic>
+        <p:nvPicPr>
+          <p:cNvPr id="24" name="图片 23">
+            <a:extLst>
+              <a:ext uri="{FF2B5EF4-FFF2-40B4-BE49-F238E27FC236}">
+                <a16:creationId xmlns:a16="http://schemas.microsoft.com/office/drawing/2014/main" id="{416363CE-A7BA-4A4D-BD13-0862111BCAD0}"/>
+              </a:ext>
+            </a:extLst>
+          </p:cNvPr>
+          <p:cNvPicPr>
+            <a:picLocks noChangeAspect="1"/>
+          </p:cNvPicPr>
+          <p:nvPr/>
+        </p:nvPicPr>
+        <p:blipFill>
+          <a:blip r:embed="rId3"/>
+          <a:stretch>
+            <a:fillRect/>
+          </a:stretch>
+        </p:blipFill>
+        <p:spPr>
+          <a:xfrm>
+            <a:off x="6497881" y="1598679"/>
+            <a:ext cx="4024158" cy="2215067"/>
+          </a:xfrm>
+          <a:prstGeom prst="rect">
+            <a:avLst/>
+          </a:prstGeom>
+        </p:spPr>
+      </p:pic>
+      <p:pic>
+        <p:nvPicPr>
+          <p:cNvPr id="26" name="图片 25">
+            <a:extLst>
+              <a:ext uri="{FF2B5EF4-FFF2-40B4-BE49-F238E27FC236}">
+                <a16:creationId xmlns:a16="http://schemas.microsoft.com/office/drawing/2014/main" id="{67C1EEBE-7ED4-4ECC-85C2-0690263E642F}"/>
+              </a:ext>
+            </a:extLst>
+          </p:cNvPr>
+          <p:cNvPicPr>
+            <a:picLocks noChangeAspect="1"/>
+          </p:cNvPicPr>
+          <p:nvPr/>
+        </p:nvPicPr>
+        <p:blipFill>
+          <a:blip r:embed="rId4"/>
+          <a:stretch>
+            <a:fillRect/>
+          </a:stretch>
+        </p:blipFill>
+        <p:spPr>
+          <a:xfrm>
+            <a:off x="1168456" y="1548422"/>
+            <a:ext cx="3873623" cy="2503583"/>
+          </a:xfrm>
+          <a:prstGeom prst="rect">
+            <a:avLst/>
+          </a:prstGeom>
+        </p:spPr>
+      </p:pic>
+      <p:pic>
+        <p:nvPicPr>
+          <p:cNvPr id="28" name="图片 27">
+            <a:extLst>
+              <a:ext uri="{FF2B5EF4-FFF2-40B4-BE49-F238E27FC236}">
+                <a16:creationId xmlns:a16="http://schemas.microsoft.com/office/drawing/2014/main" id="{4FA3C138-2662-4087-B610-73C4EE1BD9A2}"/>
+              </a:ext>
+            </a:extLst>
+          </p:cNvPr>
+          <p:cNvPicPr>
+            <a:picLocks noChangeAspect="1"/>
+          </p:cNvPicPr>
+          <p:nvPr/>
+        </p:nvPicPr>
+        <p:blipFill>
+          <a:blip r:embed="rId5"/>
+          <a:stretch>
+            <a:fillRect/>
+          </a:stretch>
+        </p:blipFill>
+        <p:spPr>
+          <a:xfrm>
+            <a:off x="1227038" y="4253939"/>
+            <a:ext cx="3641176" cy="2348406"/>
+          </a:xfrm>
+          <a:prstGeom prst="rect">
+            <a:avLst/>
+          </a:prstGeom>
+        </p:spPr>
+      </p:pic>
+    </p:spTree>
+    <p:extLst>
+      <p:ext uri="{BB962C8B-B14F-4D97-AF65-F5344CB8AC3E}">
+        <p14:creationId xmlns:p14="http://schemas.microsoft.com/office/powerpoint/2010/main" val="4077255533"/>
+      </p:ext>
+    </p:extLst>
+  </p:cSld>
+  <p:clrMapOvr>
+    <a:masterClrMapping/>
+  </p:clrMapOvr>
+</p:sld>
+</file>
+
+<file path=ppt/slides/slide12.xml><?xml version="1.0" encoding="utf-8"?>
+<p:sld xmlns:a="http://schemas.openxmlformats.org/drawingml/2006/main" xmlns:r="http://schemas.openxmlformats.org/officeDocument/2006/relationships" xmlns:p="http://schemas.openxmlformats.org/presentationml/2006/main">
+  <p:cSld>
+    <p:spTree>
+      <p:nvGrpSpPr>
+        <p:cNvPr id="1" name=""/>
+        <p:cNvGrpSpPr/>
+        <p:nvPr/>
+      </p:nvGrpSpPr>
+      <p:grpSpPr>
+        <a:xfrm>
+          <a:off x="0" y="0"/>
+          <a:ext cx="0" cy="0"/>
+          <a:chOff x="0" y="0"/>
+          <a:chExt cx="0" cy="0"/>
+        </a:xfrm>
+      </p:grpSpPr>
+      <p:sp>
+        <p:nvSpPr>
+          <p:cNvPr id="2" name="标题 1">
+            <a:extLst>
+              <a:ext uri="{FF2B5EF4-FFF2-40B4-BE49-F238E27FC236}">
+                <a16:creationId xmlns:a16="http://schemas.microsoft.com/office/drawing/2014/main" id="{E550270A-3E83-4539-BF1D-A9DD92281134}"/>
+              </a:ext>
+            </a:extLst>
+          </p:cNvPr>
+          <p:cNvSpPr>
+            <a:spLocks noGrp="1"/>
+          </p:cNvSpPr>
+          <p:nvPr>
+            <p:ph type="title"/>
+          </p:nvPr>
+        </p:nvSpPr>
+        <p:spPr/>
+        <p:txBody>
+          <a:bodyPr/>
+          <a:lstStyle/>
+          <a:p>
+            <a:r>
+              <a:rPr lang="en-US" altLang="zh-CN" dirty="0"/>
+              <a:t>MC Abundance</a:t>
+            </a:r>
+            <a:r>
+              <a:rPr lang="zh-CN" altLang="en-US" dirty="0"/>
+              <a:t>的计算</a:t>
+            </a:r>
+            <a:endParaRPr lang="en-US" dirty="0"/>
+          </a:p>
+        </p:txBody>
+      </p:sp>
+      <p:sp>
+        <p:nvSpPr>
+          <p:cNvPr id="3" name="内容占位符 2">
+            <a:extLst>
+              <a:ext uri="{FF2B5EF4-FFF2-40B4-BE49-F238E27FC236}">
+                <a16:creationId xmlns:a16="http://schemas.microsoft.com/office/drawing/2014/main" id="{B029415B-D4FF-4EC5-93F0-B985A7768308}"/>
+              </a:ext>
+            </a:extLst>
+          </p:cNvPr>
+          <p:cNvSpPr>
+            <a:spLocks noGrp="1"/>
+          </p:cNvSpPr>
+          <p:nvPr>
+            <p:ph idx="1"/>
+          </p:nvPr>
+        </p:nvSpPr>
+        <p:spPr/>
+        <p:txBody>
+          <a:bodyPr>
+            <a:normAutofit fontScale="92500" lnSpcReduction="20000"/>
+          </a:bodyPr>
+          <a:lstStyle/>
+          <a:p>
+            <a:r>
+              <a:rPr lang="en-US" altLang="zh-CN" dirty="0"/>
+              <a:t>Temperature</a:t>
+            </a:r>
+            <a:r>
+              <a:rPr lang="zh-CN" altLang="en-US" dirty="0"/>
+              <a:t>：</a:t>
+            </a:r>
+            <a:endParaRPr lang="en-US" altLang="zh-CN" dirty="0"/>
+          </a:p>
+          <a:p>
+            <a:pPr lvl="1"/>
+            <a:r>
+              <a:rPr lang="zh-CN" altLang="en-US" strike="sngStrike" dirty="0"/>
+              <a:t>计算公式是否正确</a:t>
+            </a:r>
+            <a:endParaRPr lang="en-US" altLang="zh-CN" strike="sngStrike" dirty="0"/>
+          </a:p>
+          <a:p>
+            <a:r>
+              <a:rPr lang="en-US" altLang="zh-CN" dirty="0"/>
+              <a:t>Pressure</a:t>
+            </a:r>
+          </a:p>
+          <a:p>
+            <a:pPr lvl="1"/>
+            <a:r>
+              <a:rPr lang="en-US" altLang="zh-CN" strike="sngStrike" dirty="0"/>
+              <a:t>pressure</a:t>
+            </a:r>
+            <a:r>
+              <a:rPr lang="zh-CN" altLang="en-US" strike="sngStrike" dirty="0"/>
+              <a:t>的传递</a:t>
+            </a:r>
+            <a:endParaRPr lang="en-US" altLang="zh-CN" strike="sngStrike" dirty="0"/>
+          </a:p>
+          <a:p>
+            <a:pPr lvl="1"/>
+            <a:r>
+              <a:rPr lang="en-US" altLang="zh-CN" strike="sngStrike" dirty="0"/>
+              <a:t>this layer pressure</a:t>
+            </a:r>
+            <a:r>
+              <a:rPr lang="zh-CN" altLang="en-US" strike="sngStrike" dirty="0"/>
+              <a:t>的计算公式是否正确</a:t>
+            </a:r>
+            <a:endParaRPr lang="en-US" altLang="zh-CN" strike="sngStrike" dirty="0"/>
+          </a:p>
+          <a:p>
+            <a:pPr lvl="1"/>
+            <a:r>
+              <a:rPr lang="en-US" altLang="zh-CN" strike="sngStrike" dirty="0"/>
+              <a:t>correction</a:t>
+            </a:r>
+            <a:r>
+              <a:rPr lang="zh-CN" altLang="en-US" strike="sngStrike" dirty="0"/>
+              <a:t>中的压强计算公式是否正确</a:t>
+            </a:r>
+            <a:endParaRPr lang="en-US" altLang="zh-CN" strike="sngStrike" dirty="0"/>
+          </a:p>
+          <a:p>
+            <a:r>
+              <a:rPr lang="en-US" altLang="zh-CN" dirty="0" err="1"/>
+              <a:t>vp</a:t>
+            </a:r>
+            <a:endParaRPr lang="en-US" altLang="zh-CN" dirty="0"/>
+          </a:p>
+          <a:p>
+            <a:pPr lvl="1"/>
+            <a:r>
+              <a:rPr lang="en-US" strike="sngStrike" dirty="0"/>
+              <a:t>Crust </a:t>
+            </a:r>
+            <a:r>
+              <a:rPr lang="en-US" strike="sngStrike" dirty="0" err="1"/>
+              <a:t>Vp</a:t>
+            </a:r>
+            <a:r>
+              <a:rPr lang="zh-CN" altLang="en-US" strike="sngStrike" dirty="0"/>
+              <a:t>的随机数产生是否正确</a:t>
+            </a:r>
+            <a:endParaRPr lang="en-US" altLang="zh-CN" strike="sngStrike" dirty="0"/>
+          </a:p>
+          <a:p>
+            <a:pPr lvl="1"/>
+            <a:r>
+              <a:rPr lang="en-US" strike="sngStrike" dirty="0" err="1"/>
+              <a:t>MC.felsic</a:t>
+            </a:r>
+            <a:r>
+              <a:rPr lang="en-US" strike="sngStrike" dirty="0"/>
+              <a:t>, mafic</a:t>
+            </a:r>
+            <a:r>
+              <a:rPr lang="zh-CN" altLang="en-US" strike="sngStrike" dirty="0"/>
+              <a:t>的随机产生是否正确</a:t>
+            </a:r>
+            <a:endParaRPr lang="en-US" altLang="zh-CN" strike="sngStrike" dirty="0"/>
+          </a:p>
+          <a:p>
+            <a:pPr lvl="1"/>
+            <a:r>
+              <a:rPr lang="zh-CN" altLang="en-US" strike="sngStrike" dirty="0"/>
+              <a:t>温度修正是否正确</a:t>
+            </a:r>
+            <a:endParaRPr lang="en-US" altLang="zh-CN" strike="sngStrike" dirty="0"/>
+          </a:p>
+          <a:p>
+            <a:pPr lvl="1"/>
+            <a:r>
+              <a:rPr lang="zh-CN" altLang="en-US" strike="sngStrike" dirty="0"/>
+              <a:t>压强修正是否正确</a:t>
+            </a:r>
+            <a:endParaRPr lang="en-US" altLang="zh-CN" strike="sngStrike" dirty="0"/>
+          </a:p>
+          <a:p>
+            <a:pPr lvl="1"/>
+            <a:r>
+              <a:rPr lang="en-US" altLang="zh-CN" strike="sngStrike" dirty="0"/>
+              <a:t>fraction</a:t>
+            </a:r>
+            <a:r>
+              <a:rPr lang="zh-CN" altLang="en-US" strike="sngStrike" dirty="0"/>
+              <a:t>正确</a:t>
+            </a:r>
+            <a:endParaRPr lang="en-US" altLang="zh-CN" strike="sngStrike" dirty="0"/>
+          </a:p>
+          <a:p>
+            <a:pPr lvl="1"/>
+            <a:r>
+              <a:rPr lang="en-US" altLang="zh-CN" strike="sngStrike" dirty="0"/>
+              <a:t>Abundance</a:t>
+            </a:r>
+            <a:r>
+              <a:rPr lang="zh-CN" altLang="en-US" strike="sngStrike" dirty="0"/>
+              <a:t>的计算公式是否正确</a:t>
+            </a:r>
+            <a:endParaRPr lang="en-US" strike="sngStrike" dirty="0"/>
+          </a:p>
+        </p:txBody>
+      </p:sp>
+    </p:spTree>
+    <p:extLst>
+      <p:ext uri="{BB962C8B-B14F-4D97-AF65-F5344CB8AC3E}">
+        <p14:creationId xmlns:p14="http://schemas.microsoft.com/office/powerpoint/2010/main" val="3037057825"/>
+      </p:ext>
+    </p:extLst>
+  </p:cSld>
+  <p:clrMapOvr>
+    <a:masterClrMapping/>
+  </p:clrMapOvr>
+</p:sld>
+</file>
+
+<file path=ppt/slides/slide13.xml><?xml version="1.0" encoding="utf-8"?>
+<p:sld xmlns:a="http://schemas.openxmlformats.org/drawingml/2006/main" xmlns:r="http://schemas.openxmlformats.org/officeDocument/2006/relationships" xmlns:p="http://schemas.openxmlformats.org/presentationml/2006/main">
+  <p:cSld>
+    <p:spTree>
+      <p:nvGrpSpPr>
+        <p:cNvPr id="1" name=""/>
+        <p:cNvGrpSpPr/>
+        <p:nvPr/>
+      </p:nvGrpSpPr>
+      <p:grpSpPr>
+        <a:xfrm>
+          <a:off x="0" y="0"/>
+          <a:ext cx="0" cy="0"/>
+          <a:chOff x="0" y="0"/>
+          <a:chExt cx="0" cy="0"/>
+        </a:xfrm>
+      </p:grpSpPr>
+      <p:sp>
+        <p:nvSpPr>
+          <p:cNvPr id="2" name="标题 1">
+            <a:extLst>
+              <a:ext uri="{FF2B5EF4-FFF2-40B4-BE49-F238E27FC236}">
+                <a16:creationId xmlns:a16="http://schemas.microsoft.com/office/drawing/2014/main" id="{C4109F9B-576E-4F48-9F1C-8F400C65F22A}"/>
+              </a:ext>
+            </a:extLst>
+          </p:cNvPr>
+          <p:cNvSpPr>
+            <a:spLocks noGrp="1"/>
+          </p:cNvSpPr>
+          <p:nvPr>
+            <p:ph type="title"/>
+          </p:nvPr>
+        </p:nvSpPr>
+        <p:spPr/>
+        <p:txBody>
+          <a:bodyPr/>
+          <a:lstStyle/>
+          <a:p>
+            <a:r>
+              <a:rPr lang="en-US" altLang="zh-CN" dirty="0"/>
+              <a:t>Check::Lithosphere::LC </a:t>
+            </a:r>
+            <a:r>
+              <a:rPr lang="zh-CN" altLang="en-US" dirty="0"/>
+              <a:t>通过</a:t>
+            </a:r>
+            <a:endParaRPr lang="en-US" dirty="0"/>
+          </a:p>
+        </p:txBody>
+      </p:sp>
+      <p:pic>
+        <p:nvPicPr>
+          <p:cNvPr id="33" name="图片 32">
+            <a:extLst>
+              <a:ext uri="{FF2B5EF4-FFF2-40B4-BE49-F238E27FC236}">
+                <a16:creationId xmlns:a16="http://schemas.microsoft.com/office/drawing/2014/main" id="{41C8D0A7-4796-4F6A-A972-0497F144359C}"/>
+              </a:ext>
+            </a:extLst>
+          </p:cNvPr>
+          <p:cNvPicPr>
+            <a:picLocks noChangeAspect="1"/>
+          </p:cNvPicPr>
+          <p:nvPr/>
+        </p:nvPicPr>
+        <p:blipFill>
+          <a:blip r:embed="rId2"/>
+          <a:stretch>
+            <a:fillRect/>
+          </a:stretch>
+        </p:blipFill>
+        <p:spPr>
+          <a:xfrm>
+            <a:off x="6467769" y="1399665"/>
+            <a:ext cx="3957035" cy="2207083"/>
+          </a:xfrm>
+          <a:prstGeom prst="rect">
+            <a:avLst/>
+          </a:prstGeom>
+        </p:spPr>
+      </p:pic>
+      <p:pic>
+        <p:nvPicPr>
+          <p:cNvPr id="35" name="图片 34">
+            <a:extLst>
+              <a:ext uri="{FF2B5EF4-FFF2-40B4-BE49-F238E27FC236}">
+                <a16:creationId xmlns:a16="http://schemas.microsoft.com/office/drawing/2014/main" id="{E17B68B0-A3D0-479C-BE5B-F5407AB10BEC}"/>
+              </a:ext>
+            </a:extLst>
+          </p:cNvPr>
+          <p:cNvPicPr>
+            <a:picLocks noChangeAspect="1"/>
+          </p:cNvPicPr>
+          <p:nvPr/>
+        </p:nvPicPr>
+        <p:blipFill>
+          <a:blip r:embed="rId3"/>
+          <a:stretch>
+            <a:fillRect/>
+          </a:stretch>
+        </p:blipFill>
+        <p:spPr>
+          <a:xfrm>
+            <a:off x="1006698" y="1399665"/>
+            <a:ext cx="3563155" cy="2393164"/>
+          </a:xfrm>
+          <a:prstGeom prst="rect">
+            <a:avLst/>
+          </a:prstGeom>
+        </p:spPr>
+      </p:pic>
+      <p:pic>
+        <p:nvPicPr>
+          <p:cNvPr id="41" name="图片 40">
+            <a:extLst>
+              <a:ext uri="{FF2B5EF4-FFF2-40B4-BE49-F238E27FC236}">
+                <a16:creationId xmlns:a16="http://schemas.microsoft.com/office/drawing/2014/main" id="{C52642F6-A2A8-483C-B3D1-FBED732D3A8F}"/>
+              </a:ext>
+            </a:extLst>
+          </p:cNvPr>
+          <p:cNvPicPr>
+            <a:picLocks noChangeAspect="1"/>
+          </p:cNvPicPr>
+          <p:nvPr/>
+        </p:nvPicPr>
+        <p:blipFill>
+          <a:blip r:embed="rId4"/>
+          <a:stretch>
+            <a:fillRect/>
+          </a:stretch>
+        </p:blipFill>
+        <p:spPr>
+          <a:xfrm>
+            <a:off x="6467769" y="4046070"/>
+            <a:ext cx="4245940" cy="2346241"/>
+          </a:xfrm>
+          <a:prstGeom prst="rect">
+            <a:avLst/>
+          </a:prstGeom>
+        </p:spPr>
+      </p:pic>
+      <p:pic>
+        <p:nvPicPr>
+          <p:cNvPr id="43" name="图片 42">
+            <a:extLst>
+              <a:ext uri="{FF2B5EF4-FFF2-40B4-BE49-F238E27FC236}">
+                <a16:creationId xmlns:a16="http://schemas.microsoft.com/office/drawing/2014/main" id="{97397DED-6A01-4661-AD1A-AD8076414FC6}"/>
+              </a:ext>
+            </a:extLst>
+          </p:cNvPr>
+          <p:cNvPicPr>
+            <a:picLocks noChangeAspect="1"/>
+          </p:cNvPicPr>
+          <p:nvPr/>
+        </p:nvPicPr>
+        <p:blipFill>
+          <a:blip r:embed="rId5"/>
+          <a:stretch>
+            <a:fillRect/>
+          </a:stretch>
+        </p:blipFill>
+        <p:spPr>
+          <a:xfrm>
+            <a:off x="1116584" y="4022484"/>
+            <a:ext cx="3635719" cy="2444573"/>
+          </a:xfrm>
+          <a:prstGeom prst="rect">
+            <a:avLst/>
+          </a:prstGeom>
+        </p:spPr>
+      </p:pic>
+    </p:spTree>
+    <p:extLst>
+      <p:ext uri="{BB962C8B-B14F-4D97-AF65-F5344CB8AC3E}">
+        <p14:creationId xmlns:p14="http://schemas.microsoft.com/office/powerpoint/2010/main" val="3547944306"/>
+      </p:ext>
+    </p:extLst>
+  </p:cSld>
+  <p:clrMapOvr>
+    <a:masterClrMapping/>
+  </p:clrMapOvr>
+</p:sld>
+</file>
+
+<file path=ppt/slides/slide14.xml><?xml version="1.0" encoding="utf-8"?>
+<p:sld xmlns:a="http://schemas.openxmlformats.org/drawingml/2006/main" xmlns:r="http://schemas.openxmlformats.org/officeDocument/2006/relationships" xmlns:p="http://schemas.openxmlformats.org/presentationml/2006/main">
+  <p:cSld>
+    <p:spTree>
+      <p:nvGrpSpPr>
+        <p:cNvPr id="1" name=""/>
+        <p:cNvGrpSpPr/>
+        <p:nvPr/>
+      </p:nvGrpSpPr>
+      <p:grpSpPr>
+        <a:xfrm>
+          <a:off x="0" y="0"/>
+          <a:ext cx="0" cy="0"/>
+          <a:chOff x="0" y="0"/>
+          <a:chExt cx="0" cy="0"/>
+        </a:xfrm>
+      </p:grpSpPr>
+      <p:sp>
+        <p:nvSpPr>
+          <p:cNvPr id="2" name="标题 1">
+            <a:extLst>
+              <a:ext uri="{FF2B5EF4-FFF2-40B4-BE49-F238E27FC236}">
+                <a16:creationId xmlns:a16="http://schemas.microsoft.com/office/drawing/2014/main" id="{A94BFC9F-2DBA-4155-AA56-6CD892AE8D41}"/>
+              </a:ext>
+            </a:extLst>
+          </p:cNvPr>
+          <p:cNvSpPr>
+            <a:spLocks noGrp="1"/>
+          </p:cNvSpPr>
+          <p:nvPr>
+            <p:ph type="title"/>
+          </p:nvPr>
+        </p:nvSpPr>
+        <p:spPr/>
+        <p:txBody>
+          <a:bodyPr/>
+          <a:lstStyle/>
+          <a:p>
+            <a:r>
+              <a:rPr lang="en-US" altLang="zh-CN" dirty="0"/>
+              <a:t>Check::Lithosphere::Crust</a:t>
+            </a:r>
+            <a:endParaRPr lang="en-US" dirty="0"/>
+          </a:p>
+        </p:txBody>
+      </p:sp>
+      <p:pic>
+        <p:nvPicPr>
+          <p:cNvPr id="15" name="图片 14">
+            <a:extLst>
+              <a:ext uri="{FF2B5EF4-FFF2-40B4-BE49-F238E27FC236}">
+                <a16:creationId xmlns:a16="http://schemas.microsoft.com/office/drawing/2014/main" id="{BA54820E-A3F9-42EA-BFC1-883E216CF164}"/>
+              </a:ext>
+            </a:extLst>
+          </p:cNvPr>
+          <p:cNvPicPr>
+            <a:picLocks noChangeAspect="1"/>
+          </p:cNvPicPr>
+          <p:nvPr/>
+        </p:nvPicPr>
+        <p:blipFill>
+          <a:blip r:embed="rId2"/>
+          <a:stretch>
+            <a:fillRect/>
+          </a:stretch>
+        </p:blipFill>
+        <p:spPr>
+          <a:xfrm>
+            <a:off x="6726970" y="1594376"/>
+            <a:ext cx="4220072" cy="2293199"/>
+          </a:xfrm>
+          <a:prstGeom prst="rect">
+            <a:avLst/>
+          </a:prstGeom>
+        </p:spPr>
+      </p:pic>
+      <p:pic>
+        <p:nvPicPr>
+          <p:cNvPr id="17" name="图片 16">
+            <a:extLst>
+              <a:ext uri="{FF2B5EF4-FFF2-40B4-BE49-F238E27FC236}">
+                <a16:creationId xmlns:a16="http://schemas.microsoft.com/office/drawing/2014/main" id="{00F3496B-407D-4D53-8BEA-918B6BC99070}"/>
+              </a:ext>
+            </a:extLst>
+          </p:cNvPr>
+          <p:cNvPicPr>
+            <a:picLocks noChangeAspect="1"/>
+          </p:cNvPicPr>
+          <p:nvPr/>
+        </p:nvPicPr>
+        <p:blipFill>
+          <a:blip r:embed="rId3"/>
+          <a:stretch>
+            <a:fillRect/>
+          </a:stretch>
+        </p:blipFill>
+        <p:spPr>
+          <a:xfrm>
+            <a:off x="1351758" y="1487648"/>
+            <a:ext cx="3973656" cy="2629376"/>
+          </a:xfrm>
+          <a:prstGeom prst="rect">
+            <a:avLst/>
+          </a:prstGeom>
+        </p:spPr>
+      </p:pic>
+      <p:pic>
+        <p:nvPicPr>
+          <p:cNvPr id="21" name="图片 20">
+            <a:extLst>
+              <a:ext uri="{FF2B5EF4-FFF2-40B4-BE49-F238E27FC236}">
+                <a16:creationId xmlns:a16="http://schemas.microsoft.com/office/drawing/2014/main" id="{0F009043-55D7-4222-A01B-1AB1075D8092}"/>
+              </a:ext>
+            </a:extLst>
+          </p:cNvPr>
+          <p:cNvPicPr>
+            <a:picLocks noChangeAspect="1"/>
+          </p:cNvPicPr>
+          <p:nvPr/>
+        </p:nvPicPr>
+        <p:blipFill>
+          <a:blip r:embed="rId4"/>
+          <a:stretch>
+            <a:fillRect/>
+          </a:stretch>
+        </p:blipFill>
+        <p:spPr>
+          <a:xfrm>
+            <a:off x="6726969" y="4237190"/>
+            <a:ext cx="4220071" cy="2255685"/>
+          </a:xfrm>
+          <a:prstGeom prst="rect">
+            <a:avLst/>
+          </a:prstGeom>
+        </p:spPr>
+      </p:pic>
+      <p:pic>
+        <p:nvPicPr>
+          <p:cNvPr id="23" name="图片 22">
+            <a:extLst>
+              <a:ext uri="{FF2B5EF4-FFF2-40B4-BE49-F238E27FC236}">
+                <a16:creationId xmlns:a16="http://schemas.microsoft.com/office/drawing/2014/main" id="{15039D12-DE7A-429F-A693-C53E6C7B789D}"/>
+              </a:ext>
+            </a:extLst>
+          </p:cNvPr>
+          <p:cNvPicPr>
+            <a:picLocks noChangeAspect="1"/>
+          </p:cNvPicPr>
+          <p:nvPr/>
+        </p:nvPicPr>
+        <p:blipFill>
+          <a:blip r:embed="rId5"/>
+          <a:stretch>
+            <a:fillRect/>
+          </a:stretch>
+        </p:blipFill>
+        <p:spPr>
+          <a:xfrm>
+            <a:off x="1416152" y="4237190"/>
+            <a:ext cx="3677442" cy="2409631"/>
+          </a:xfrm>
+          <a:prstGeom prst="rect">
+            <a:avLst/>
+          </a:prstGeom>
+        </p:spPr>
+      </p:pic>
+    </p:spTree>
+    <p:extLst>
+      <p:ext uri="{BB962C8B-B14F-4D97-AF65-F5344CB8AC3E}">
+        <p14:creationId xmlns:p14="http://schemas.microsoft.com/office/powerpoint/2010/main" val="4013332217"/>
+      </p:ext>
+    </p:extLst>
+  </p:cSld>
+  <p:clrMapOvr>
+    <a:masterClrMapping/>
+  </p:clrMapOvr>
+</p:sld>
+</file>
+
+<file path=ppt/slides/slide15.xml><?xml version="1.0" encoding="utf-8"?>
+<p:sld xmlns:a="http://schemas.openxmlformats.org/drawingml/2006/main" xmlns:r="http://schemas.openxmlformats.org/officeDocument/2006/relationships" xmlns:p="http://schemas.openxmlformats.org/presentationml/2006/main">
+  <p:cSld>
+    <p:spTree>
+      <p:nvGrpSpPr>
+        <p:cNvPr id="1" name=""/>
+        <p:cNvGrpSpPr/>
+        <p:nvPr/>
+      </p:nvGrpSpPr>
+      <p:grpSpPr>
+        <a:xfrm>
+          <a:off x="0" y="0"/>
+          <a:ext cx="0" cy="0"/>
+          <a:chOff x="0" y="0"/>
+          <a:chExt cx="0" cy="0"/>
+        </a:xfrm>
+      </p:grpSpPr>
+      <p:sp>
+        <p:nvSpPr>
+          <p:cNvPr id="2" name="标题 1">
+            <a:extLst>
+              <a:ext uri="{FF2B5EF4-FFF2-40B4-BE49-F238E27FC236}">
+                <a16:creationId xmlns:a16="http://schemas.microsoft.com/office/drawing/2014/main" id="{237B0724-C97A-4B7F-9E23-857A3E1E0F54}"/>
+              </a:ext>
+            </a:extLst>
+          </p:cNvPr>
+          <p:cNvSpPr>
+            <a:spLocks noGrp="1"/>
+          </p:cNvSpPr>
+          <p:nvPr>
+            <p:ph type="title"/>
+          </p:nvPr>
+        </p:nvSpPr>
+        <p:spPr/>
+        <p:txBody>
+          <a:bodyPr/>
+          <a:lstStyle/>
+          <a:p>
+            <a:r>
+              <a:rPr lang="en-US" dirty="0"/>
+              <a:t>Check::Lithosphere::Sediment + Crust</a:t>
+            </a:r>
+          </a:p>
+        </p:txBody>
+      </p:sp>
+      <p:pic>
+        <p:nvPicPr>
+          <p:cNvPr id="5" name="内容占位符 4">
+            <a:extLst>
+              <a:ext uri="{FF2B5EF4-FFF2-40B4-BE49-F238E27FC236}">
+                <a16:creationId xmlns:a16="http://schemas.microsoft.com/office/drawing/2014/main" id="{6A98A8A1-3524-4F46-95FD-9F04AF3191EB}"/>
+              </a:ext>
+            </a:extLst>
+          </p:cNvPr>
+          <p:cNvPicPr>
+            <a:picLocks noGrp="1" noChangeAspect="1"/>
+          </p:cNvPicPr>
+          <p:nvPr>
+            <p:ph idx="1"/>
+          </p:nvPr>
+        </p:nvPicPr>
+        <p:blipFill>
+          <a:blip r:embed="rId2"/>
+          <a:stretch>
+            <a:fillRect/>
+          </a:stretch>
+        </p:blipFill>
+        <p:spPr>
+          <a:xfrm>
+            <a:off x="1232583" y="1862258"/>
+            <a:ext cx="3822375" cy="2502066"/>
+          </a:xfrm>
+        </p:spPr>
+      </p:pic>
+      <p:pic>
+        <p:nvPicPr>
+          <p:cNvPr id="7" name="图片 6">
+            <a:extLst>
+              <a:ext uri="{FF2B5EF4-FFF2-40B4-BE49-F238E27FC236}">
+                <a16:creationId xmlns:a16="http://schemas.microsoft.com/office/drawing/2014/main" id="{DE20C6C6-32EC-43E8-B8A5-B83D31AFDEC6}"/>
+              </a:ext>
+            </a:extLst>
+          </p:cNvPr>
+          <p:cNvPicPr>
+            <a:picLocks noChangeAspect="1"/>
+          </p:cNvPicPr>
+          <p:nvPr/>
+        </p:nvPicPr>
+        <p:blipFill>
+          <a:blip r:embed="rId3"/>
+          <a:stretch>
+            <a:fillRect/>
+          </a:stretch>
+        </p:blipFill>
+        <p:spPr>
+          <a:xfrm>
+            <a:off x="6578061" y="1862258"/>
+            <a:ext cx="4329840" cy="2444265"/>
+          </a:xfrm>
+          <a:prstGeom prst="rect">
+            <a:avLst/>
+          </a:prstGeom>
+        </p:spPr>
+      </p:pic>
+      <p:pic>
+        <p:nvPicPr>
+          <p:cNvPr id="19" name="图片 18">
+            <a:extLst>
+              <a:ext uri="{FF2B5EF4-FFF2-40B4-BE49-F238E27FC236}">
+                <a16:creationId xmlns:a16="http://schemas.microsoft.com/office/drawing/2014/main" id="{46275742-7805-4F1D-83AA-54ED52E99A82}"/>
+              </a:ext>
+            </a:extLst>
+          </p:cNvPr>
+          <p:cNvPicPr>
+            <a:picLocks noChangeAspect="1"/>
+          </p:cNvPicPr>
+          <p:nvPr/>
+        </p:nvPicPr>
+        <p:blipFill>
+          <a:blip r:embed="rId4"/>
+          <a:stretch>
+            <a:fillRect/>
+          </a:stretch>
+        </p:blipFill>
+        <p:spPr>
+          <a:xfrm>
+            <a:off x="6578061" y="4421672"/>
+            <a:ext cx="4253071" cy="2284335"/>
+          </a:xfrm>
+          <a:prstGeom prst="rect">
+            <a:avLst/>
+          </a:prstGeom>
+        </p:spPr>
+      </p:pic>
+      <p:pic>
+        <p:nvPicPr>
+          <p:cNvPr id="21" name="图片 20">
+            <a:extLst>
+              <a:ext uri="{FF2B5EF4-FFF2-40B4-BE49-F238E27FC236}">
+                <a16:creationId xmlns:a16="http://schemas.microsoft.com/office/drawing/2014/main" id="{9506AF48-2B60-4679-A48B-B8DA439DADBF}"/>
+              </a:ext>
+            </a:extLst>
+          </p:cNvPr>
+          <p:cNvPicPr>
+            <a:picLocks noChangeAspect="1"/>
+          </p:cNvPicPr>
+          <p:nvPr/>
+        </p:nvPicPr>
+        <p:blipFill>
+          <a:blip r:embed="rId5"/>
+          <a:stretch>
+            <a:fillRect/>
+          </a:stretch>
+        </p:blipFill>
+        <p:spPr>
+          <a:xfrm>
+            <a:off x="1232583" y="4406349"/>
+            <a:ext cx="3777299" cy="2451651"/>
+          </a:xfrm>
+          <a:prstGeom prst="rect">
+            <a:avLst/>
+          </a:prstGeom>
+        </p:spPr>
+      </p:pic>
+    </p:spTree>
+    <p:extLst>
+      <p:ext uri="{BB962C8B-B14F-4D97-AF65-F5344CB8AC3E}">
+        <p14:creationId xmlns:p14="http://schemas.microsoft.com/office/powerpoint/2010/main" val="827925445"/>
+      </p:ext>
+    </p:extLst>
+  </p:cSld>
+  <p:clrMapOvr>
+    <a:masterClrMapping/>
+  </p:clrMapOvr>
+</p:sld>
+</file>
+
 <file path=ppt/slides/slide2.xml><?xml version="1.0" encoding="utf-8"?>
 <p:sld xmlns:a="http://schemas.openxmlformats.org/drawingml/2006/main" xmlns:r="http://schemas.openxmlformats.org/officeDocument/2006/relationships" xmlns:p="http://schemas.openxmlformats.org/presentationml/2006/main">
   <p:cSld>
@@ -3584,8 +4731,8 @@
           </a:p>
         </p:txBody>
       </p:sp>
-      <mc:AlternateContent xmlns:mc="http://schemas.openxmlformats.org/markup-compatibility/2006">
-        <mc:Choice xmlns:a14="http://schemas.microsoft.com/office/drawing/2010/main" Requires="a14">
+      <mc:AlternateContent xmlns:mc="http://schemas.openxmlformats.org/markup-compatibility/2006" xmlns:a14="http://schemas.microsoft.com/office/drawing/2010/main">
+        <mc:Choice Requires="a14">
           <p:graphicFrame>
             <p:nvGraphicFramePr>
               <p:cNvPr id="4" name="表格 4">
@@ -4373,7 +5520,7 @@
             </a:graphic>
           </p:graphicFrame>
         </mc:Choice>
-        <mc:Fallback>
+        <mc:Fallback xmlns="">
           <p:graphicFrame>
             <p:nvGraphicFramePr>
               <p:cNvPr id="4" name="表格 4">
@@ -4816,8 +5963,8 @@
           </p:graphicFrame>
         </mc:Fallback>
       </mc:AlternateContent>
-      <mc:AlternateContent xmlns:mc="http://schemas.openxmlformats.org/markup-compatibility/2006">
-        <mc:Choice xmlns:a14="http://schemas.microsoft.com/office/drawing/2010/main" Requires="a14">
+      <mc:AlternateContent xmlns:mc="http://schemas.openxmlformats.org/markup-compatibility/2006" xmlns:a14="http://schemas.microsoft.com/office/drawing/2010/main">
+        <mc:Choice Requires="a14">
           <p:graphicFrame>
             <p:nvGraphicFramePr>
               <p:cNvPr id="5" name="表格 4">
@@ -5404,7 +6551,7 @@
             </a:graphic>
           </p:graphicFrame>
         </mc:Choice>
-        <mc:Fallback>
+        <mc:Fallback xmlns="">
           <p:graphicFrame>
             <p:nvGraphicFramePr>
               <p:cNvPr id="5" name="表格 4">
@@ -5749,8 +6896,8 @@
           </p:graphicFrame>
         </mc:Fallback>
       </mc:AlternateContent>
-      <mc:AlternateContent xmlns:mc="http://schemas.openxmlformats.org/markup-compatibility/2006">
-        <mc:Choice xmlns:a14="http://schemas.microsoft.com/office/drawing/2010/main" Requires="a14">
+      <mc:AlternateContent xmlns:mc="http://schemas.openxmlformats.org/markup-compatibility/2006" xmlns:a14="http://schemas.microsoft.com/office/drawing/2010/main">
+        <mc:Choice Requires="a14">
           <p:graphicFrame>
             <p:nvGraphicFramePr>
               <p:cNvPr id="6" name="表格 5">
@@ -6398,7 +7545,7 @@
             </a:graphic>
           </p:graphicFrame>
         </mc:Choice>
-        <mc:Fallback>
+        <mc:Fallback xmlns="">
           <p:graphicFrame>
             <p:nvGraphicFramePr>
               <p:cNvPr id="6" name="表格 5">
@@ -6838,8 +7985,8 @@
           </a:p>
         </p:txBody>
       </p:sp>
-      <mc:AlternateContent xmlns:mc="http://schemas.openxmlformats.org/markup-compatibility/2006">
-        <mc:Choice xmlns:a14="http://schemas.microsoft.com/office/drawing/2010/main" Requires="a14">
+      <mc:AlternateContent xmlns:mc="http://schemas.openxmlformats.org/markup-compatibility/2006" xmlns:a14="http://schemas.microsoft.com/office/drawing/2010/main">
+        <mc:Choice Requires="a14">
           <p:sp>
             <p:nvSpPr>
               <p:cNvPr id="3" name="内容占位符 2">
@@ -7018,7 +8165,7 @@
             </p:txBody>
           </p:sp>
         </mc:Choice>
-        <mc:Fallback>
+        <mc:Fallback xmlns="">
           <p:sp>
             <p:nvSpPr>
               <p:cNvPr id="3" name="内容占位符 2">
@@ -7121,8 +8268,8 @@
           </a:p>
         </p:txBody>
       </p:sp>
-      <mc:AlternateContent xmlns:mc="http://schemas.openxmlformats.org/markup-compatibility/2006">
-        <mc:Choice xmlns:a14="http://schemas.microsoft.com/office/drawing/2010/main" Requires="a14">
+      <mc:AlternateContent xmlns:mc="http://schemas.openxmlformats.org/markup-compatibility/2006" xmlns:a14="http://schemas.microsoft.com/office/drawing/2010/main">
+        <mc:Choice Requires="a14">
           <p:sp>
             <p:nvSpPr>
               <p:cNvPr id="3" name="内容占位符 2">
@@ -7688,7 +8835,7 @@
             </p:txBody>
           </p:sp>
         </mc:Choice>
-        <mc:Fallback>
+        <mc:Fallback xmlns="">
           <p:sp>
             <p:nvSpPr>
               <p:cNvPr id="3" name="内容占位符 2">
@@ -8029,6 +9176,891 @@
     <p:extLst>
       <p:ext uri="{BB962C8B-B14F-4D97-AF65-F5344CB8AC3E}">
         <p14:creationId xmlns:p14="http://schemas.microsoft.com/office/powerpoint/2010/main" val="1182780399"/>
+      </p:ext>
+    </p:extLst>
+  </p:cSld>
+  <p:clrMapOvr>
+    <a:masterClrMapping/>
+  </p:clrMapOvr>
+</p:sld>
+</file>
+
+<file path=ppt/slides/slide6.xml><?xml version="1.0" encoding="utf-8"?>
+<p:sld xmlns:a="http://schemas.openxmlformats.org/drawingml/2006/main" xmlns:r="http://schemas.openxmlformats.org/officeDocument/2006/relationships" xmlns:p="http://schemas.openxmlformats.org/presentationml/2006/main">
+  <p:cSld>
+    <p:spTree>
+      <p:nvGrpSpPr>
+        <p:cNvPr id="1" name=""/>
+        <p:cNvGrpSpPr/>
+        <p:nvPr/>
+      </p:nvGrpSpPr>
+      <p:grpSpPr>
+        <a:xfrm>
+          <a:off x="0" y="0"/>
+          <a:ext cx="0" cy="0"/>
+          <a:chOff x="0" y="0"/>
+          <a:chExt cx="0" cy="0"/>
+        </a:xfrm>
+      </p:grpSpPr>
+      <p:sp>
+        <p:nvSpPr>
+          <p:cNvPr id="2" name="标题 1">
+            <a:extLst>
+              <a:ext uri="{FF2B5EF4-FFF2-40B4-BE49-F238E27FC236}">
+                <a16:creationId xmlns:a16="http://schemas.microsoft.com/office/drawing/2014/main" id="{215D296E-1DF5-43DC-B03C-771F8F1CD711}"/>
+              </a:ext>
+            </a:extLst>
+          </p:cNvPr>
+          <p:cNvSpPr>
+            <a:spLocks noGrp="1"/>
+          </p:cNvSpPr>
+          <p:nvPr>
+            <p:ph type="title"/>
+          </p:nvPr>
+        </p:nvSpPr>
+        <p:spPr/>
+        <p:txBody>
+          <a:bodyPr/>
+          <a:lstStyle/>
+          <a:p>
+            <a:r>
+              <a:rPr lang="en-US" altLang="zh-CN" dirty="0"/>
+              <a:t>Check::Lithosphere::s1 </a:t>
+            </a:r>
+            <a:r>
+              <a:rPr lang="zh-CN" altLang="en-US" dirty="0"/>
+              <a:t>通过</a:t>
+            </a:r>
+            <a:endParaRPr lang="en-US" dirty="0"/>
+          </a:p>
+        </p:txBody>
+      </p:sp>
+      <p:sp>
+        <p:nvSpPr>
+          <p:cNvPr id="6" name="文本框 5">
+            <a:extLst>
+              <a:ext uri="{FF2B5EF4-FFF2-40B4-BE49-F238E27FC236}">
+                <a16:creationId xmlns:a16="http://schemas.microsoft.com/office/drawing/2014/main" id="{3AC5C960-3314-45F6-B680-F12210EBA739}"/>
+              </a:ext>
+            </a:extLst>
+          </p:cNvPr>
+          <p:cNvSpPr txBox="1"/>
+          <p:nvPr/>
+        </p:nvSpPr>
+        <p:spPr>
+          <a:xfrm>
+            <a:off x="5664196" y="1628727"/>
+            <a:ext cx="3206840" cy="369332"/>
+          </a:xfrm>
+          <a:prstGeom prst="rect">
+            <a:avLst/>
+          </a:prstGeom>
+          <a:noFill/>
+        </p:spPr>
+        <p:txBody>
+          <a:bodyPr wrap="square" rtlCol="0">
+            <a:spAutoFit/>
+          </a:bodyPr>
+          <a:lstStyle/>
+          <a:p>
+            <a:r>
+              <a:rPr lang="en-US" dirty="0" err="1"/>
+              <a:t>aU</a:t>
+            </a:r>
+            <a:r>
+              <a:rPr lang="en-US" dirty="0"/>
+              <a:t>, </a:t>
+            </a:r>
+            <a:r>
+              <a:rPr lang="en-US" dirty="0" err="1"/>
+              <a:t>aTh</a:t>
+            </a:r>
+            <a:r>
+              <a:rPr lang="en-US" dirty="0"/>
+              <a:t>, </a:t>
+            </a:r>
+            <a:r>
+              <a:rPr lang="en-US" dirty="0" err="1"/>
+              <a:t>aK</a:t>
+            </a:r>
+            <a:r>
+              <a:rPr lang="en-US" dirty="0"/>
+              <a:t>, Th/U, K/Th</a:t>
+            </a:r>
+          </a:p>
+        </p:txBody>
+      </p:sp>
+      <p:sp>
+        <p:nvSpPr>
+          <p:cNvPr id="9" name="文本框 8">
+            <a:extLst>
+              <a:ext uri="{FF2B5EF4-FFF2-40B4-BE49-F238E27FC236}">
+                <a16:creationId xmlns:a16="http://schemas.microsoft.com/office/drawing/2014/main" id="{73BDD2AF-198A-4DF5-8B9C-4761FF449292}"/>
+              </a:ext>
+            </a:extLst>
+          </p:cNvPr>
+          <p:cNvSpPr txBox="1"/>
+          <p:nvPr/>
+        </p:nvSpPr>
+        <p:spPr>
+          <a:xfrm>
+            <a:off x="325859" y="3219719"/>
+            <a:ext cx="785611" cy="369332"/>
+          </a:xfrm>
+          <a:prstGeom prst="rect">
+            <a:avLst/>
+          </a:prstGeom>
+          <a:noFill/>
+        </p:spPr>
+        <p:txBody>
+          <a:bodyPr wrap="square" rtlCol="0">
+            <a:spAutoFit/>
+          </a:bodyPr>
+          <a:lstStyle/>
+          <a:p>
+            <a:r>
+              <a:rPr lang="en-US" dirty="0"/>
+              <a:t>Old</a:t>
+            </a:r>
+          </a:p>
+        </p:txBody>
+      </p:sp>
+      <p:sp>
+        <p:nvSpPr>
+          <p:cNvPr id="10" name="文本框 9">
+            <a:extLst>
+              <a:ext uri="{FF2B5EF4-FFF2-40B4-BE49-F238E27FC236}">
+                <a16:creationId xmlns:a16="http://schemas.microsoft.com/office/drawing/2014/main" id="{C81EB650-7132-499D-821E-E396AA20E1EC}"/>
+              </a:ext>
+            </a:extLst>
+          </p:cNvPr>
+          <p:cNvSpPr txBox="1"/>
+          <p:nvPr/>
+        </p:nvSpPr>
+        <p:spPr>
+          <a:xfrm>
+            <a:off x="325859" y="5345793"/>
+            <a:ext cx="785611" cy="369332"/>
+          </a:xfrm>
+          <a:prstGeom prst="rect">
+            <a:avLst/>
+          </a:prstGeom>
+          <a:noFill/>
+        </p:spPr>
+        <p:txBody>
+          <a:bodyPr wrap="square" rtlCol="0">
+            <a:spAutoFit/>
+          </a:bodyPr>
+          <a:lstStyle/>
+          <a:p>
+            <a:r>
+              <a:rPr lang="en-US" dirty="0"/>
+              <a:t>new</a:t>
+            </a:r>
+          </a:p>
+        </p:txBody>
+      </p:sp>
+      <p:sp>
+        <p:nvSpPr>
+          <p:cNvPr id="15" name="文本框 14">
+            <a:extLst>
+              <a:ext uri="{FF2B5EF4-FFF2-40B4-BE49-F238E27FC236}">
+                <a16:creationId xmlns:a16="http://schemas.microsoft.com/office/drawing/2014/main" id="{856C4CE9-071A-4509-B581-A53F8F1E3246}"/>
+              </a:ext>
+            </a:extLst>
+          </p:cNvPr>
+          <p:cNvSpPr txBox="1"/>
+          <p:nvPr/>
+        </p:nvSpPr>
+        <p:spPr>
+          <a:xfrm>
+            <a:off x="1070064" y="1537275"/>
+            <a:ext cx="3206840" cy="369332"/>
+          </a:xfrm>
+          <a:prstGeom prst="rect">
+            <a:avLst/>
+          </a:prstGeom>
+          <a:noFill/>
+        </p:spPr>
+        <p:txBody>
+          <a:bodyPr wrap="square" rtlCol="0">
+            <a:spAutoFit/>
+          </a:bodyPr>
+          <a:lstStyle/>
+          <a:p>
+            <a:r>
+              <a:rPr lang="en-US" dirty="0"/>
+              <a:t>Total, U, Th, K40</a:t>
+            </a:r>
+          </a:p>
+        </p:txBody>
+      </p:sp>
+      <p:pic>
+        <p:nvPicPr>
+          <p:cNvPr id="25" name="图片 24">
+            <a:extLst>
+              <a:ext uri="{FF2B5EF4-FFF2-40B4-BE49-F238E27FC236}">
+                <a16:creationId xmlns:a16="http://schemas.microsoft.com/office/drawing/2014/main" id="{96FE5BA2-2E4C-418C-A7C0-3C5452DF5AB6}"/>
+              </a:ext>
+            </a:extLst>
+          </p:cNvPr>
+          <p:cNvPicPr>
+            <a:picLocks noChangeAspect="1"/>
+          </p:cNvPicPr>
+          <p:nvPr/>
+        </p:nvPicPr>
+        <p:blipFill>
+          <a:blip r:embed="rId2"/>
+          <a:stretch>
+            <a:fillRect/>
+          </a:stretch>
+        </p:blipFill>
+        <p:spPr>
+          <a:xfrm>
+            <a:off x="5664196" y="2219319"/>
+            <a:ext cx="3600635" cy="1968601"/>
+          </a:xfrm>
+          <a:prstGeom prst="rect">
+            <a:avLst/>
+          </a:prstGeom>
+        </p:spPr>
+      </p:pic>
+      <p:pic>
+        <p:nvPicPr>
+          <p:cNvPr id="29" name="图片 28">
+            <a:extLst>
+              <a:ext uri="{FF2B5EF4-FFF2-40B4-BE49-F238E27FC236}">
+                <a16:creationId xmlns:a16="http://schemas.microsoft.com/office/drawing/2014/main" id="{719A4824-FBC4-4527-957A-342842443038}"/>
+              </a:ext>
+            </a:extLst>
+          </p:cNvPr>
+          <p:cNvPicPr>
+            <a:picLocks noChangeAspect="1"/>
+          </p:cNvPicPr>
+          <p:nvPr/>
+        </p:nvPicPr>
+        <p:blipFill>
+          <a:blip r:embed="rId3"/>
+          <a:stretch>
+            <a:fillRect/>
+          </a:stretch>
+        </p:blipFill>
+        <p:spPr>
+          <a:xfrm>
+            <a:off x="1070064" y="2251294"/>
+            <a:ext cx="3511730" cy="1936850"/>
+          </a:xfrm>
+          <a:prstGeom prst="rect">
+            <a:avLst/>
+          </a:prstGeom>
+        </p:spPr>
+      </p:pic>
+      <p:pic>
+        <p:nvPicPr>
+          <p:cNvPr id="33" name="图片 32">
+            <a:extLst>
+              <a:ext uri="{FF2B5EF4-FFF2-40B4-BE49-F238E27FC236}">
+                <a16:creationId xmlns:a16="http://schemas.microsoft.com/office/drawing/2014/main" id="{2AB98475-E792-4791-A13F-3067D5444F87}"/>
+              </a:ext>
+            </a:extLst>
+          </p:cNvPr>
+          <p:cNvPicPr>
+            <a:picLocks noChangeAspect="1"/>
+          </p:cNvPicPr>
+          <p:nvPr/>
+        </p:nvPicPr>
+        <p:blipFill>
+          <a:blip r:embed="rId4"/>
+          <a:stretch>
+            <a:fillRect/>
+          </a:stretch>
+        </p:blipFill>
+        <p:spPr>
+          <a:xfrm>
+            <a:off x="1111470" y="4403500"/>
+            <a:ext cx="3470324" cy="2195511"/>
+          </a:xfrm>
+          <a:prstGeom prst="rect">
+            <a:avLst/>
+          </a:prstGeom>
+        </p:spPr>
+      </p:pic>
+      <p:pic>
+        <p:nvPicPr>
+          <p:cNvPr id="35" name="图片 34">
+            <a:extLst>
+              <a:ext uri="{FF2B5EF4-FFF2-40B4-BE49-F238E27FC236}">
+                <a16:creationId xmlns:a16="http://schemas.microsoft.com/office/drawing/2014/main" id="{B324B389-20D3-4851-AD9A-E68159CE9A3F}"/>
+              </a:ext>
+            </a:extLst>
+          </p:cNvPr>
+          <p:cNvPicPr>
+            <a:picLocks noChangeAspect="1"/>
+          </p:cNvPicPr>
+          <p:nvPr/>
+        </p:nvPicPr>
+        <p:blipFill>
+          <a:blip r:embed="rId5"/>
+          <a:stretch>
+            <a:fillRect/>
+          </a:stretch>
+        </p:blipFill>
+        <p:spPr>
+          <a:xfrm>
+            <a:off x="5573421" y="4470455"/>
+            <a:ext cx="3691410" cy="2031604"/>
+          </a:xfrm>
+          <a:prstGeom prst="rect">
+            <a:avLst/>
+          </a:prstGeom>
+        </p:spPr>
+      </p:pic>
+    </p:spTree>
+    <p:extLst>
+      <p:ext uri="{BB962C8B-B14F-4D97-AF65-F5344CB8AC3E}">
+        <p14:creationId xmlns:p14="http://schemas.microsoft.com/office/powerpoint/2010/main" val="2530417517"/>
+      </p:ext>
+    </p:extLst>
+  </p:cSld>
+  <p:clrMapOvr>
+    <a:masterClrMapping/>
+  </p:clrMapOvr>
+</p:sld>
+</file>
+
+<file path=ppt/slides/slide7.xml><?xml version="1.0" encoding="utf-8"?>
+<p:sld xmlns:a="http://schemas.openxmlformats.org/drawingml/2006/main" xmlns:r="http://schemas.openxmlformats.org/officeDocument/2006/relationships" xmlns:p="http://schemas.openxmlformats.org/presentationml/2006/main">
+  <p:cSld>
+    <p:spTree>
+      <p:nvGrpSpPr>
+        <p:cNvPr id="1" name=""/>
+        <p:cNvGrpSpPr/>
+        <p:nvPr/>
+      </p:nvGrpSpPr>
+      <p:grpSpPr>
+        <a:xfrm>
+          <a:off x="0" y="0"/>
+          <a:ext cx="0" cy="0"/>
+          <a:chOff x="0" y="0"/>
+          <a:chExt cx="0" cy="0"/>
+        </a:xfrm>
+      </p:grpSpPr>
+      <p:sp>
+        <p:nvSpPr>
+          <p:cNvPr id="2" name="标题 1">
+            <a:extLst>
+              <a:ext uri="{FF2B5EF4-FFF2-40B4-BE49-F238E27FC236}">
+                <a16:creationId xmlns:a16="http://schemas.microsoft.com/office/drawing/2014/main" id="{8E432A6C-0386-4E3D-9068-66F8352D539C}"/>
+              </a:ext>
+            </a:extLst>
+          </p:cNvPr>
+          <p:cNvSpPr>
+            <a:spLocks noGrp="1"/>
+          </p:cNvSpPr>
+          <p:nvPr>
+            <p:ph type="title"/>
+          </p:nvPr>
+        </p:nvSpPr>
+        <p:spPr/>
+        <p:txBody>
+          <a:bodyPr/>
+          <a:lstStyle/>
+          <a:p>
+            <a:r>
+              <a:rPr lang="en-US" altLang="zh-CN" dirty="0"/>
+              <a:t>Check::Lithosphere::s2 </a:t>
+            </a:r>
+            <a:r>
+              <a:rPr lang="zh-CN" altLang="en-US" dirty="0"/>
+              <a:t>通过</a:t>
+            </a:r>
+            <a:endParaRPr lang="en-US" dirty="0"/>
+          </a:p>
+        </p:txBody>
+      </p:sp>
+      <p:pic>
+        <p:nvPicPr>
+          <p:cNvPr id="5" name="图片 4">
+            <a:extLst>
+              <a:ext uri="{FF2B5EF4-FFF2-40B4-BE49-F238E27FC236}">
+                <a16:creationId xmlns:a16="http://schemas.microsoft.com/office/drawing/2014/main" id="{A300967B-C4DF-422B-88F4-A8977AC1B586}"/>
+              </a:ext>
+            </a:extLst>
+          </p:cNvPr>
+          <p:cNvPicPr>
+            <a:picLocks noChangeAspect="1"/>
+          </p:cNvPicPr>
+          <p:nvPr/>
+        </p:nvPicPr>
+        <p:blipFill>
+          <a:blip r:embed="rId2"/>
+          <a:stretch>
+            <a:fillRect/>
+          </a:stretch>
+        </p:blipFill>
+        <p:spPr>
+          <a:xfrm>
+            <a:off x="936581" y="1951949"/>
+            <a:ext cx="3467278" cy="1949550"/>
+          </a:xfrm>
+          <a:prstGeom prst="rect">
+            <a:avLst/>
+          </a:prstGeom>
+        </p:spPr>
+      </p:pic>
+      <p:pic>
+        <p:nvPicPr>
+          <p:cNvPr id="7" name="图片 6">
+            <a:extLst>
+              <a:ext uri="{FF2B5EF4-FFF2-40B4-BE49-F238E27FC236}">
+                <a16:creationId xmlns:a16="http://schemas.microsoft.com/office/drawing/2014/main" id="{C1BEA207-4A92-4991-9C53-6416C742D860}"/>
+              </a:ext>
+            </a:extLst>
+          </p:cNvPr>
+          <p:cNvPicPr>
+            <a:picLocks noChangeAspect="1"/>
+          </p:cNvPicPr>
+          <p:nvPr/>
+        </p:nvPicPr>
+        <p:blipFill>
+          <a:blip r:embed="rId3"/>
+          <a:stretch>
+            <a:fillRect/>
+          </a:stretch>
+        </p:blipFill>
+        <p:spPr>
+          <a:xfrm>
+            <a:off x="5877059" y="1577576"/>
+            <a:ext cx="4213538" cy="2323923"/>
+          </a:xfrm>
+          <a:prstGeom prst="rect">
+            <a:avLst/>
+          </a:prstGeom>
+        </p:spPr>
+      </p:pic>
+      <p:pic>
+        <p:nvPicPr>
+          <p:cNvPr id="9" name="图片 8">
+            <a:extLst>
+              <a:ext uri="{FF2B5EF4-FFF2-40B4-BE49-F238E27FC236}">
+                <a16:creationId xmlns:a16="http://schemas.microsoft.com/office/drawing/2014/main" id="{999B18E3-FFB8-46A6-BD9A-90888BA08450}"/>
+              </a:ext>
+            </a:extLst>
+          </p:cNvPr>
+          <p:cNvPicPr>
+            <a:picLocks noChangeAspect="1"/>
+          </p:cNvPicPr>
+          <p:nvPr/>
+        </p:nvPicPr>
+        <p:blipFill>
+          <a:blip r:embed="rId4"/>
+          <a:stretch>
+            <a:fillRect/>
+          </a:stretch>
+        </p:blipFill>
+        <p:spPr>
+          <a:xfrm>
+            <a:off x="991059" y="4250028"/>
+            <a:ext cx="3370754" cy="2182347"/>
+          </a:xfrm>
+          <a:prstGeom prst="rect">
+            <a:avLst/>
+          </a:prstGeom>
+        </p:spPr>
+      </p:pic>
+      <p:pic>
+        <p:nvPicPr>
+          <p:cNvPr id="13" name="图片 12">
+            <a:extLst>
+              <a:ext uri="{FF2B5EF4-FFF2-40B4-BE49-F238E27FC236}">
+                <a16:creationId xmlns:a16="http://schemas.microsoft.com/office/drawing/2014/main" id="{9103D669-BB6F-4B61-B56F-AE4AB5085E8A}"/>
+              </a:ext>
+            </a:extLst>
+          </p:cNvPr>
+          <p:cNvPicPr>
+            <a:picLocks noChangeAspect="1"/>
+          </p:cNvPicPr>
+          <p:nvPr/>
+        </p:nvPicPr>
+        <p:blipFill>
+          <a:blip r:embed="rId5"/>
+          <a:stretch>
+            <a:fillRect/>
+          </a:stretch>
+        </p:blipFill>
+        <p:spPr>
+          <a:xfrm>
+            <a:off x="5877059" y="4151179"/>
+            <a:ext cx="4213538" cy="2341697"/>
+          </a:xfrm>
+          <a:prstGeom prst="rect">
+            <a:avLst/>
+          </a:prstGeom>
+        </p:spPr>
+      </p:pic>
+    </p:spTree>
+    <p:extLst>
+      <p:ext uri="{BB962C8B-B14F-4D97-AF65-F5344CB8AC3E}">
+        <p14:creationId xmlns:p14="http://schemas.microsoft.com/office/powerpoint/2010/main" val="1540331286"/>
+      </p:ext>
+    </p:extLst>
+  </p:cSld>
+  <p:clrMapOvr>
+    <a:masterClrMapping/>
+  </p:clrMapOvr>
+</p:sld>
+</file>
+
+<file path=ppt/slides/slide8.xml><?xml version="1.0" encoding="utf-8"?>
+<p:sld xmlns:a="http://schemas.openxmlformats.org/drawingml/2006/main" xmlns:r="http://schemas.openxmlformats.org/officeDocument/2006/relationships" xmlns:p="http://schemas.openxmlformats.org/presentationml/2006/main">
+  <p:cSld>
+    <p:spTree>
+      <p:nvGrpSpPr>
+        <p:cNvPr id="1" name=""/>
+        <p:cNvGrpSpPr/>
+        <p:nvPr/>
+      </p:nvGrpSpPr>
+      <p:grpSpPr>
+        <a:xfrm>
+          <a:off x="0" y="0"/>
+          <a:ext cx="0" cy="0"/>
+          <a:chOff x="0" y="0"/>
+          <a:chExt cx="0" cy="0"/>
+        </a:xfrm>
+      </p:grpSpPr>
+      <p:sp>
+        <p:nvSpPr>
+          <p:cNvPr id="2" name="标题 1">
+            <a:extLst>
+              <a:ext uri="{FF2B5EF4-FFF2-40B4-BE49-F238E27FC236}">
+                <a16:creationId xmlns:a16="http://schemas.microsoft.com/office/drawing/2014/main" id="{F8F7BA98-E297-4B7C-93FA-F411259A8DA5}"/>
+              </a:ext>
+            </a:extLst>
+          </p:cNvPr>
+          <p:cNvSpPr>
+            <a:spLocks noGrp="1"/>
+          </p:cNvSpPr>
+          <p:nvPr>
+            <p:ph type="title"/>
+          </p:nvPr>
+        </p:nvSpPr>
+        <p:spPr/>
+        <p:txBody>
+          <a:bodyPr/>
+          <a:lstStyle/>
+          <a:p>
+            <a:r>
+              <a:rPr lang="en-US" altLang="zh-CN" dirty="0"/>
+              <a:t>Check::Lithosphere::s3 </a:t>
+            </a:r>
+            <a:r>
+              <a:rPr lang="zh-CN" altLang="en-US" dirty="0"/>
+              <a:t>通过</a:t>
+            </a:r>
+            <a:endParaRPr lang="en-US" dirty="0"/>
+          </a:p>
+        </p:txBody>
+      </p:sp>
+      <p:pic>
+        <p:nvPicPr>
+          <p:cNvPr id="5" name="内容占位符 4">
+            <a:extLst>
+              <a:ext uri="{FF2B5EF4-FFF2-40B4-BE49-F238E27FC236}">
+                <a16:creationId xmlns:a16="http://schemas.microsoft.com/office/drawing/2014/main" id="{79763B70-5014-4F2E-AC6C-08411DF78B78}"/>
+              </a:ext>
+            </a:extLst>
+          </p:cNvPr>
+          <p:cNvPicPr>
+            <a:picLocks noGrp="1" noChangeAspect="1"/>
+          </p:cNvPicPr>
+          <p:nvPr>
+            <p:ph idx="1"/>
+          </p:nvPr>
+        </p:nvPicPr>
+        <p:blipFill>
+          <a:blip r:embed="rId2"/>
+          <a:stretch>
+            <a:fillRect/>
+          </a:stretch>
+        </p:blipFill>
+        <p:spPr>
+          <a:xfrm>
+            <a:off x="1332739" y="1882372"/>
+            <a:ext cx="4153661" cy="2352984"/>
+          </a:xfrm>
+        </p:spPr>
+      </p:pic>
+      <p:pic>
+        <p:nvPicPr>
+          <p:cNvPr id="7" name="图片 6">
+            <a:extLst>
+              <a:ext uri="{FF2B5EF4-FFF2-40B4-BE49-F238E27FC236}">
+                <a16:creationId xmlns:a16="http://schemas.microsoft.com/office/drawing/2014/main" id="{BB4DD4CA-FF75-4DE3-B49C-12113F5FFC52}"/>
+              </a:ext>
+            </a:extLst>
+          </p:cNvPr>
+          <p:cNvPicPr>
+            <a:picLocks noChangeAspect="1"/>
+          </p:cNvPicPr>
+          <p:nvPr/>
+        </p:nvPicPr>
+        <p:blipFill>
+          <a:blip r:embed="rId3"/>
+          <a:stretch>
+            <a:fillRect/>
+          </a:stretch>
+        </p:blipFill>
+        <p:spPr>
+          <a:xfrm>
+            <a:off x="6557495" y="1825678"/>
+            <a:ext cx="4362010" cy="2352983"/>
+          </a:xfrm>
+          <a:prstGeom prst="rect">
+            <a:avLst/>
+          </a:prstGeom>
+        </p:spPr>
+      </p:pic>
+      <p:pic>
+        <p:nvPicPr>
+          <p:cNvPr id="11" name="图片 10">
+            <a:extLst>
+              <a:ext uri="{FF2B5EF4-FFF2-40B4-BE49-F238E27FC236}">
+                <a16:creationId xmlns:a16="http://schemas.microsoft.com/office/drawing/2014/main" id="{A07B923F-B9A5-47D2-8850-F01D83007D20}"/>
+              </a:ext>
+            </a:extLst>
+          </p:cNvPr>
+          <p:cNvPicPr>
+            <a:picLocks noChangeAspect="1"/>
+          </p:cNvPicPr>
+          <p:nvPr/>
+        </p:nvPicPr>
+        <p:blipFill>
+          <a:blip r:embed="rId4"/>
+          <a:stretch>
+            <a:fillRect/>
+          </a:stretch>
+        </p:blipFill>
+        <p:spPr>
+          <a:xfrm>
+            <a:off x="1427186" y="4334392"/>
+            <a:ext cx="3756562" cy="2400459"/>
+          </a:xfrm>
+          <a:prstGeom prst="rect">
+            <a:avLst/>
+          </a:prstGeom>
+        </p:spPr>
+      </p:pic>
+      <p:pic>
+        <p:nvPicPr>
+          <p:cNvPr id="13" name="图片 12">
+            <a:extLst>
+              <a:ext uri="{FF2B5EF4-FFF2-40B4-BE49-F238E27FC236}">
+                <a16:creationId xmlns:a16="http://schemas.microsoft.com/office/drawing/2014/main" id="{64E88792-D4BE-4ECE-9928-1B6F4D93E048}"/>
+              </a:ext>
+            </a:extLst>
+          </p:cNvPr>
+          <p:cNvPicPr>
+            <a:picLocks noChangeAspect="1"/>
+          </p:cNvPicPr>
+          <p:nvPr/>
+        </p:nvPicPr>
+        <p:blipFill>
+          <a:blip r:embed="rId5"/>
+          <a:stretch>
+            <a:fillRect/>
+          </a:stretch>
+        </p:blipFill>
+        <p:spPr>
+          <a:xfrm>
+            <a:off x="6481114" y="4323847"/>
+            <a:ext cx="4362011" cy="2411003"/>
+          </a:xfrm>
+          <a:prstGeom prst="rect">
+            <a:avLst/>
+          </a:prstGeom>
+        </p:spPr>
+      </p:pic>
+    </p:spTree>
+    <p:extLst>
+      <p:ext uri="{BB962C8B-B14F-4D97-AF65-F5344CB8AC3E}">
+        <p14:creationId xmlns:p14="http://schemas.microsoft.com/office/powerpoint/2010/main" val="4220873715"/>
+      </p:ext>
+    </p:extLst>
+  </p:cSld>
+  <p:clrMapOvr>
+    <a:masterClrMapping/>
+  </p:clrMapOvr>
+</p:sld>
+</file>
+
+<file path=ppt/slides/slide9.xml><?xml version="1.0" encoding="utf-8"?>
+<p:sld xmlns:a="http://schemas.openxmlformats.org/drawingml/2006/main" xmlns:r="http://schemas.openxmlformats.org/officeDocument/2006/relationships" xmlns:p="http://schemas.openxmlformats.org/presentationml/2006/main">
+  <p:cSld>
+    <p:spTree>
+      <p:nvGrpSpPr>
+        <p:cNvPr id="1" name=""/>
+        <p:cNvGrpSpPr/>
+        <p:nvPr/>
+      </p:nvGrpSpPr>
+      <p:grpSpPr>
+        <a:xfrm>
+          <a:off x="0" y="0"/>
+          <a:ext cx="0" cy="0"/>
+          <a:chOff x="0" y="0"/>
+          <a:chExt cx="0" cy="0"/>
+        </a:xfrm>
+      </p:grpSpPr>
+      <p:sp>
+        <p:nvSpPr>
+          <p:cNvPr id="2" name="标题 1">
+            <a:extLst>
+              <a:ext uri="{FF2B5EF4-FFF2-40B4-BE49-F238E27FC236}">
+                <a16:creationId xmlns:a16="http://schemas.microsoft.com/office/drawing/2014/main" id="{2BAEDE70-ECFA-4FFC-9440-7583C8F2C3FE}"/>
+              </a:ext>
+            </a:extLst>
+          </p:cNvPr>
+          <p:cNvSpPr>
+            <a:spLocks noGrp="1"/>
+          </p:cNvSpPr>
+          <p:nvPr>
+            <p:ph type="title"/>
+          </p:nvPr>
+        </p:nvSpPr>
+        <p:spPr/>
+        <p:txBody>
+          <a:bodyPr/>
+          <a:lstStyle/>
+          <a:p>
+            <a:r>
+              <a:rPr lang="en-US" dirty="0"/>
+              <a:t>Check::Lithosphere::Sediment</a:t>
+            </a:r>
+          </a:p>
+        </p:txBody>
+      </p:sp>
+      <p:pic>
+        <p:nvPicPr>
+          <p:cNvPr id="5" name="内容占位符 4">
+            <a:extLst>
+              <a:ext uri="{FF2B5EF4-FFF2-40B4-BE49-F238E27FC236}">
+                <a16:creationId xmlns:a16="http://schemas.microsoft.com/office/drawing/2014/main" id="{103CA5D6-8458-4954-B345-19C2276DC06E}"/>
+              </a:ext>
+            </a:extLst>
+          </p:cNvPr>
+          <p:cNvPicPr>
+            <a:picLocks noGrp="1" noChangeAspect="1"/>
+          </p:cNvPicPr>
+          <p:nvPr>
+            <p:ph idx="1"/>
+          </p:nvPr>
+        </p:nvPicPr>
+        <p:blipFill>
+          <a:blip r:embed="rId2"/>
+          <a:stretch>
+            <a:fillRect/>
+          </a:stretch>
+        </p:blipFill>
+        <p:spPr>
+          <a:xfrm>
+            <a:off x="1087951" y="1961115"/>
+            <a:ext cx="3999204" cy="2251837"/>
+          </a:xfrm>
+        </p:spPr>
+      </p:pic>
+      <p:pic>
+        <p:nvPicPr>
+          <p:cNvPr id="7" name="图片 6">
+            <a:extLst>
+              <a:ext uri="{FF2B5EF4-FFF2-40B4-BE49-F238E27FC236}">
+                <a16:creationId xmlns:a16="http://schemas.microsoft.com/office/drawing/2014/main" id="{731FE79E-67FE-4FEE-9125-B2614339B226}"/>
+              </a:ext>
+            </a:extLst>
+          </p:cNvPr>
+          <p:cNvPicPr>
+            <a:picLocks noChangeAspect="1"/>
+          </p:cNvPicPr>
+          <p:nvPr/>
+        </p:nvPicPr>
+        <p:blipFill>
+          <a:blip r:embed="rId3"/>
+          <a:stretch>
+            <a:fillRect/>
+          </a:stretch>
+        </p:blipFill>
+        <p:spPr>
+          <a:xfrm>
+            <a:off x="6304608" y="1961115"/>
+            <a:ext cx="3974179" cy="2152975"/>
+          </a:xfrm>
+          <a:prstGeom prst="rect">
+            <a:avLst/>
+          </a:prstGeom>
+        </p:spPr>
+      </p:pic>
+      <p:pic>
+        <p:nvPicPr>
+          <p:cNvPr id="11" name="图片 10">
+            <a:extLst>
+              <a:ext uri="{FF2B5EF4-FFF2-40B4-BE49-F238E27FC236}">
+                <a16:creationId xmlns:a16="http://schemas.microsoft.com/office/drawing/2014/main" id="{76BFB90B-DFA8-41A0-A92C-7B46DA5D7A31}"/>
+              </a:ext>
+            </a:extLst>
+          </p:cNvPr>
+          <p:cNvPicPr>
+            <a:picLocks noChangeAspect="1"/>
+          </p:cNvPicPr>
+          <p:nvPr/>
+        </p:nvPicPr>
+        <p:blipFill>
+          <a:blip r:embed="rId4"/>
+          <a:stretch>
+            <a:fillRect/>
+          </a:stretch>
+        </p:blipFill>
+        <p:spPr>
+          <a:xfrm>
+            <a:off x="1184542" y="4378866"/>
+            <a:ext cx="3529125" cy="2268724"/>
+          </a:xfrm>
+          <a:prstGeom prst="rect">
+            <a:avLst/>
+          </a:prstGeom>
+        </p:spPr>
+      </p:pic>
+      <p:pic>
+        <p:nvPicPr>
+          <p:cNvPr id="13" name="图片 12">
+            <a:extLst>
+              <a:ext uri="{FF2B5EF4-FFF2-40B4-BE49-F238E27FC236}">
+                <a16:creationId xmlns:a16="http://schemas.microsoft.com/office/drawing/2014/main" id="{6C9BD6CE-8BE7-439E-B1B5-EF4AC6D8B196}"/>
+              </a:ext>
+            </a:extLst>
+          </p:cNvPr>
+          <p:cNvPicPr>
+            <a:picLocks noChangeAspect="1"/>
+          </p:cNvPicPr>
+          <p:nvPr/>
+        </p:nvPicPr>
+        <p:blipFill>
+          <a:blip r:embed="rId5"/>
+          <a:stretch>
+            <a:fillRect/>
+          </a:stretch>
+        </p:blipFill>
+        <p:spPr>
+          <a:xfrm>
+            <a:off x="6304608" y="4374276"/>
+            <a:ext cx="4127279" cy="2273314"/>
+          </a:xfrm>
+          <a:prstGeom prst="rect">
+            <a:avLst/>
+          </a:prstGeom>
+        </p:spPr>
+      </p:pic>
+    </p:spTree>
+    <p:extLst>
+      <p:ext uri="{BB962C8B-B14F-4D97-AF65-F5344CB8AC3E}">
+        <p14:creationId xmlns:p14="http://schemas.microsoft.com/office/powerpoint/2010/main" val="375546790"/>
       </p:ext>
     </p:extLst>
   </p:cSld>

--- a/Slides.pptx
+++ b/Slides.pptx
@@ -20,6 +20,10 @@
     <p:sldId id="268" r:id="rId14"/>
     <p:sldId id="269" r:id="rId15"/>
     <p:sldId id="270" r:id="rId16"/>
+    <p:sldId id="271" r:id="rId17"/>
+    <p:sldId id="272" r:id="rId18"/>
+    <p:sldId id="273" r:id="rId19"/>
+    <p:sldId id="274" r:id="rId20"/>
   </p:sldIdLst>
   <p:sldSz cx="12192000" cy="6858000"/>
   <p:notesSz cx="6858000" cy="9144000"/>
@@ -4565,6 +4569,734 @@
     <p:extLst>
       <p:ext uri="{BB962C8B-B14F-4D97-AF65-F5344CB8AC3E}">
         <p14:creationId xmlns:p14="http://schemas.microsoft.com/office/powerpoint/2010/main" val="827925445"/>
+      </p:ext>
+    </p:extLst>
+  </p:cSld>
+  <p:clrMapOvr>
+    <a:masterClrMapping/>
+  </p:clrMapOvr>
+</p:sld>
+</file>
+
+<file path=ppt/slides/slide16.xml><?xml version="1.0" encoding="utf-8"?>
+<p:sld xmlns:a="http://schemas.openxmlformats.org/drawingml/2006/main" xmlns:r="http://schemas.openxmlformats.org/officeDocument/2006/relationships" xmlns:p="http://schemas.openxmlformats.org/presentationml/2006/main">
+  <p:cSld>
+    <p:spTree>
+      <p:nvGrpSpPr>
+        <p:cNvPr id="1" name=""/>
+        <p:cNvGrpSpPr/>
+        <p:nvPr/>
+      </p:nvGrpSpPr>
+      <p:grpSpPr>
+        <a:xfrm>
+          <a:off x="0" y="0"/>
+          <a:ext cx="0" cy="0"/>
+          <a:chOff x="0" y="0"/>
+          <a:chExt cx="0" cy="0"/>
+        </a:xfrm>
+      </p:grpSpPr>
+      <p:sp>
+        <p:nvSpPr>
+          <p:cNvPr id="2" name="标题 1">
+            <a:extLst>
+              <a:ext uri="{FF2B5EF4-FFF2-40B4-BE49-F238E27FC236}">
+                <a16:creationId xmlns:a16="http://schemas.microsoft.com/office/drawing/2014/main" id="{F74233F3-0103-4586-BEE0-210424E8A578}"/>
+              </a:ext>
+            </a:extLst>
+          </p:cNvPr>
+          <p:cNvSpPr>
+            <a:spLocks noGrp="1"/>
+          </p:cNvSpPr>
+          <p:nvPr>
+            <p:ph type="title"/>
+          </p:nvPr>
+        </p:nvSpPr>
+        <p:spPr/>
+        <p:txBody>
+          <a:bodyPr/>
+          <a:lstStyle/>
+          <a:p>
+            <a:r>
+              <a:rPr lang="en-US" altLang="zh-CN" dirty="0"/>
+              <a:t>MC new </a:t>
+            </a:r>
+            <a:r>
+              <a:rPr lang="zh-CN" altLang="en-US" dirty="0"/>
+              <a:t>通过</a:t>
+            </a:r>
+            <a:endParaRPr lang="en-US" dirty="0"/>
+          </a:p>
+        </p:txBody>
+      </p:sp>
+      <p:pic>
+        <p:nvPicPr>
+          <p:cNvPr id="5" name="图片 4">
+            <a:extLst>
+              <a:ext uri="{FF2B5EF4-FFF2-40B4-BE49-F238E27FC236}">
+                <a16:creationId xmlns:a16="http://schemas.microsoft.com/office/drawing/2014/main" id="{1DE19C5F-04CB-47DD-B269-61CB85BF01EC}"/>
+              </a:ext>
+            </a:extLst>
+          </p:cNvPr>
+          <p:cNvPicPr>
+            <a:picLocks noChangeAspect="1"/>
+          </p:cNvPicPr>
+          <p:nvPr/>
+        </p:nvPicPr>
+        <p:blipFill>
+          <a:blip r:embed="rId2"/>
+          <a:stretch>
+            <a:fillRect/>
+          </a:stretch>
+        </p:blipFill>
+        <p:spPr>
+          <a:xfrm>
+            <a:off x="838200" y="1690688"/>
+            <a:ext cx="3804634" cy="2517889"/>
+          </a:xfrm>
+          <a:prstGeom prst="rect">
+            <a:avLst/>
+          </a:prstGeom>
+        </p:spPr>
+      </p:pic>
+      <p:pic>
+        <p:nvPicPr>
+          <p:cNvPr id="7" name="图片 6">
+            <a:extLst>
+              <a:ext uri="{FF2B5EF4-FFF2-40B4-BE49-F238E27FC236}">
+                <a16:creationId xmlns:a16="http://schemas.microsoft.com/office/drawing/2014/main" id="{8E9E7C16-E49D-42AC-ABCC-90B059428602}"/>
+              </a:ext>
+            </a:extLst>
+          </p:cNvPr>
+          <p:cNvPicPr>
+            <a:picLocks noChangeAspect="1"/>
+          </p:cNvPicPr>
+          <p:nvPr/>
+        </p:nvPicPr>
+        <p:blipFill>
+          <a:blip r:embed="rId3"/>
+          <a:stretch>
+            <a:fillRect/>
+          </a:stretch>
+        </p:blipFill>
+        <p:spPr>
+          <a:xfrm>
+            <a:off x="6278673" y="1690688"/>
+            <a:ext cx="4410792" cy="2422385"/>
+          </a:xfrm>
+          <a:prstGeom prst="rect">
+            <a:avLst/>
+          </a:prstGeom>
+        </p:spPr>
+      </p:pic>
+      <p:pic>
+        <p:nvPicPr>
+          <p:cNvPr id="4" name="图片 3">
+            <a:extLst>
+              <a:ext uri="{FF2B5EF4-FFF2-40B4-BE49-F238E27FC236}">
+                <a16:creationId xmlns:a16="http://schemas.microsoft.com/office/drawing/2014/main" id="{F80A5CCA-129D-4FF5-9344-860B787F1062}"/>
+              </a:ext>
+            </a:extLst>
+          </p:cNvPr>
+          <p:cNvPicPr>
+            <a:picLocks noChangeAspect="1"/>
+          </p:cNvPicPr>
+          <p:nvPr/>
+        </p:nvPicPr>
+        <p:blipFill>
+          <a:blip r:embed="rId4"/>
+          <a:stretch>
+            <a:fillRect/>
+          </a:stretch>
+        </p:blipFill>
+        <p:spPr>
+          <a:xfrm>
+            <a:off x="6278673" y="4209626"/>
+            <a:ext cx="4455868" cy="2454302"/>
+          </a:xfrm>
+          <a:prstGeom prst="rect">
+            <a:avLst/>
+          </a:prstGeom>
+        </p:spPr>
+      </p:pic>
+      <p:pic>
+        <p:nvPicPr>
+          <p:cNvPr id="8" name="图片 7">
+            <a:extLst>
+              <a:ext uri="{FF2B5EF4-FFF2-40B4-BE49-F238E27FC236}">
+                <a16:creationId xmlns:a16="http://schemas.microsoft.com/office/drawing/2014/main" id="{7D677E3D-2AD3-4938-8AFF-F99B3F9CA69B}"/>
+              </a:ext>
+            </a:extLst>
+          </p:cNvPr>
+          <p:cNvPicPr>
+            <a:picLocks noChangeAspect="1"/>
+          </p:cNvPicPr>
+          <p:nvPr/>
+        </p:nvPicPr>
+        <p:blipFill>
+          <a:blip r:embed="rId5"/>
+          <a:stretch>
+            <a:fillRect/>
+          </a:stretch>
+        </p:blipFill>
+        <p:spPr>
+          <a:xfrm>
+            <a:off x="903994" y="4334626"/>
+            <a:ext cx="3577854" cy="2416012"/>
+          </a:xfrm>
+          <a:prstGeom prst="rect">
+            <a:avLst/>
+          </a:prstGeom>
+        </p:spPr>
+      </p:pic>
+    </p:spTree>
+    <p:extLst>
+      <p:ext uri="{BB962C8B-B14F-4D97-AF65-F5344CB8AC3E}">
+        <p14:creationId xmlns:p14="http://schemas.microsoft.com/office/powerpoint/2010/main" val="2578358491"/>
+      </p:ext>
+    </p:extLst>
+  </p:cSld>
+  <p:clrMapOvr>
+    <a:masterClrMapping/>
+  </p:clrMapOvr>
+</p:sld>
+</file>
+
+<file path=ppt/slides/slide17.xml><?xml version="1.0" encoding="utf-8"?>
+<p:sld xmlns:a="http://schemas.openxmlformats.org/drawingml/2006/main" xmlns:r="http://schemas.openxmlformats.org/officeDocument/2006/relationships" xmlns:p="http://schemas.openxmlformats.org/presentationml/2006/main">
+  <p:cSld>
+    <p:spTree>
+      <p:nvGrpSpPr>
+        <p:cNvPr id="1" name=""/>
+        <p:cNvGrpSpPr/>
+        <p:nvPr/>
+      </p:nvGrpSpPr>
+      <p:grpSpPr>
+        <a:xfrm>
+          <a:off x="0" y="0"/>
+          <a:ext cx="0" cy="0"/>
+          <a:chOff x="0" y="0"/>
+          <a:chExt cx="0" cy="0"/>
+        </a:xfrm>
+      </p:grpSpPr>
+      <p:sp>
+        <p:nvSpPr>
+          <p:cNvPr id="2" name="标题 1">
+            <a:extLst>
+              <a:ext uri="{FF2B5EF4-FFF2-40B4-BE49-F238E27FC236}">
+                <a16:creationId xmlns:a16="http://schemas.microsoft.com/office/drawing/2014/main" id="{7CE7D53E-B536-42DA-BBD5-F6F370EAE075}"/>
+              </a:ext>
+            </a:extLst>
+          </p:cNvPr>
+          <p:cNvSpPr>
+            <a:spLocks noGrp="1"/>
+          </p:cNvSpPr>
+          <p:nvPr>
+            <p:ph type="title"/>
+          </p:nvPr>
+        </p:nvSpPr>
+        <p:spPr/>
+        <p:txBody>
+          <a:bodyPr/>
+          <a:lstStyle/>
+          <a:p>
+            <a:r>
+              <a:rPr lang="en-US" altLang="zh-CN" dirty="0"/>
+              <a:t>LC new</a:t>
+            </a:r>
+            <a:endParaRPr lang="en-US" dirty="0"/>
+          </a:p>
+        </p:txBody>
+      </p:sp>
+      <p:pic>
+        <p:nvPicPr>
+          <p:cNvPr id="7" name="图片 6">
+            <a:extLst>
+              <a:ext uri="{FF2B5EF4-FFF2-40B4-BE49-F238E27FC236}">
+                <a16:creationId xmlns:a16="http://schemas.microsoft.com/office/drawing/2014/main" id="{897F4BFC-4D49-4DD4-BE50-6EF8F8265083}"/>
+              </a:ext>
+            </a:extLst>
+          </p:cNvPr>
+          <p:cNvPicPr>
+            <a:picLocks noChangeAspect="1"/>
+          </p:cNvPicPr>
+          <p:nvPr/>
+        </p:nvPicPr>
+        <p:blipFill>
+          <a:blip r:embed="rId2"/>
+          <a:stretch>
+            <a:fillRect/>
+          </a:stretch>
+        </p:blipFill>
+        <p:spPr>
+          <a:xfrm>
+            <a:off x="5570958" y="1551904"/>
+            <a:ext cx="4399223" cy="2421519"/>
+          </a:xfrm>
+          <a:prstGeom prst="rect">
+            <a:avLst/>
+          </a:prstGeom>
+        </p:spPr>
+      </p:pic>
+      <p:pic>
+        <p:nvPicPr>
+          <p:cNvPr id="9" name="图片 8">
+            <a:extLst>
+              <a:ext uri="{FF2B5EF4-FFF2-40B4-BE49-F238E27FC236}">
+                <a16:creationId xmlns:a16="http://schemas.microsoft.com/office/drawing/2014/main" id="{6236C530-6305-408D-AF76-A688FCE1D03A}"/>
+              </a:ext>
+            </a:extLst>
+          </p:cNvPr>
+          <p:cNvPicPr>
+            <a:picLocks noChangeAspect="1"/>
+          </p:cNvPicPr>
+          <p:nvPr/>
+        </p:nvPicPr>
+        <p:blipFill>
+          <a:blip r:embed="rId3"/>
+          <a:stretch>
+            <a:fillRect/>
+          </a:stretch>
+        </p:blipFill>
+        <p:spPr>
+          <a:xfrm>
+            <a:off x="863097" y="1651821"/>
+            <a:ext cx="3837691" cy="2508346"/>
+          </a:xfrm>
+          <a:prstGeom prst="rect">
+            <a:avLst/>
+          </a:prstGeom>
+        </p:spPr>
+      </p:pic>
+      <p:pic>
+        <p:nvPicPr>
+          <p:cNvPr id="13" name="图片 12">
+            <a:extLst>
+              <a:ext uri="{FF2B5EF4-FFF2-40B4-BE49-F238E27FC236}">
+                <a16:creationId xmlns:a16="http://schemas.microsoft.com/office/drawing/2014/main" id="{BB8753DA-F300-4B3B-8909-7EB60E09B20A}"/>
+              </a:ext>
+            </a:extLst>
+          </p:cNvPr>
+          <p:cNvPicPr>
+            <a:picLocks noChangeAspect="1"/>
+          </p:cNvPicPr>
+          <p:nvPr/>
+        </p:nvPicPr>
+        <p:blipFill>
+          <a:blip r:embed="rId4"/>
+          <a:stretch>
+            <a:fillRect/>
+          </a:stretch>
+        </p:blipFill>
+        <p:spPr>
+          <a:xfrm>
+            <a:off x="5641345" y="4251845"/>
+            <a:ext cx="4341770" cy="2421519"/>
+          </a:xfrm>
+          <a:prstGeom prst="rect">
+            <a:avLst/>
+          </a:prstGeom>
+        </p:spPr>
+      </p:pic>
+      <p:pic>
+        <p:nvPicPr>
+          <p:cNvPr id="15" name="图片 14">
+            <a:extLst>
+              <a:ext uri="{FF2B5EF4-FFF2-40B4-BE49-F238E27FC236}">
+                <a16:creationId xmlns:a16="http://schemas.microsoft.com/office/drawing/2014/main" id="{9F3652F6-0A86-41B9-A82F-7AD6C4E8420F}"/>
+              </a:ext>
+            </a:extLst>
+          </p:cNvPr>
+          <p:cNvPicPr>
+            <a:picLocks noChangeAspect="1"/>
+          </p:cNvPicPr>
+          <p:nvPr/>
+        </p:nvPicPr>
+        <p:blipFill>
+          <a:blip r:embed="rId5"/>
+          <a:stretch>
+            <a:fillRect/>
+          </a:stretch>
+        </p:blipFill>
+        <p:spPr>
+          <a:xfrm>
+            <a:off x="838200" y="4202730"/>
+            <a:ext cx="3837691" cy="2544822"/>
+          </a:xfrm>
+          <a:prstGeom prst="rect">
+            <a:avLst/>
+          </a:prstGeom>
+        </p:spPr>
+      </p:pic>
+    </p:spTree>
+    <p:extLst>
+      <p:ext uri="{BB962C8B-B14F-4D97-AF65-F5344CB8AC3E}">
+        <p14:creationId xmlns:p14="http://schemas.microsoft.com/office/powerpoint/2010/main" val="1710912392"/>
+      </p:ext>
+    </p:extLst>
+  </p:cSld>
+  <p:clrMapOvr>
+    <a:masterClrMapping/>
+  </p:clrMapOvr>
+</p:sld>
+</file>
+
+<file path=ppt/slides/slide18.xml><?xml version="1.0" encoding="utf-8"?>
+<p:sld xmlns:a="http://schemas.openxmlformats.org/drawingml/2006/main" xmlns:r="http://schemas.openxmlformats.org/officeDocument/2006/relationships" xmlns:p="http://schemas.openxmlformats.org/presentationml/2006/main">
+  <p:cSld>
+    <p:spTree>
+      <p:nvGrpSpPr>
+        <p:cNvPr id="1" name=""/>
+        <p:cNvGrpSpPr/>
+        <p:nvPr/>
+      </p:nvGrpSpPr>
+      <p:grpSpPr>
+        <a:xfrm>
+          <a:off x="0" y="0"/>
+          <a:ext cx="0" cy="0"/>
+          <a:chOff x="0" y="0"/>
+          <a:chExt cx="0" cy="0"/>
+        </a:xfrm>
+      </p:grpSpPr>
+      <p:sp>
+        <p:nvSpPr>
+          <p:cNvPr id="2" name="标题 1">
+            <a:extLst>
+              <a:ext uri="{FF2B5EF4-FFF2-40B4-BE49-F238E27FC236}">
+                <a16:creationId xmlns:a16="http://schemas.microsoft.com/office/drawing/2014/main" id="{6172FDDB-7744-4627-AF99-AE30409F98EB}"/>
+              </a:ext>
+            </a:extLst>
+          </p:cNvPr>
+          <p:cNvSpPr>
+            <a:spLocks noGrp="1"/>
+          </p:cNvSpPr>
+          <p:nvPr>
+            <p:ph type="title"/>
+          </p:nvPr>
+        </p:nvSpPr>
+        <p:spPr/>
+        <p:txBody>
+          <a:bodyPr/>
+          <a:lstStyle/>
+          <a:p>
+            <a:r>
+              <a:rPr lang="en-US" altLang="zh-CN" dirty="0"/>
+              <a:t>Crust new </a:t>
+            </a:r>
+            <a:r>
+              <a:rPr lang="zh-CN" altLang="en-US" dirty="0"/>
+              <a:t>通过</a:t>
+            </a:r>
+            <a:endParaRPr lang="en-US" dirty="0"/>
+          </a:p>
+        </p:txBody>
+      </p:sp>
+      <p:pic>
+        <p:nvPicPr>
+          <p:cNvPr id="5" name="图片 4">
+            <a:extLst>
+              <a:ext uri="{FF2B5EF4-FFF2-40B4-BE49-F238E27FC236}">
+                <a16:creationId xmlns:a16="http://schemas.microsoft.com/office/drawing/2014/main" id="{29F2DF09-0220-4F77-BE8D-C5BA112EE6BF}"/>
+              </a:ext>
+            </a:extLst>
+          </p:cNvPr>
+          <p:cNvPicPr>
+            <a:picLocks noChangeAspect="1"/>
+          </p:cNvPicPr>
+          <p:nvPr/>
+        </p:nvPicPr>
+        <p:blipFill>
+          <a:blip r:embed="rId2"/>
+          <a:stretch>
+            <a:fillRect/>
+          </a:stretch>
+        </p:blipFill>
+        <p:spPr>
+          <a:xfrm>
+            <a:off x="838200" y="1571623"/>
+            <a:ext cx="3869028" cy="2503490"/>
+          </a:xfrm>
+          <a:prstGeom prst="rect">
+            <a:avLst/>
+          </a:prstGeom>
+        </p:spPr>
+      </p:pic>
+      <p:pic>
+        <p:nvPicPr>
+          <p:cNvPr id="7" name="图片 6">
+            <a:extLst>
+              <a:ext uri="{FF2B5EF4-FFF2-40B4-BE49-F238E27FC236}">
+                <a16:creationId xmlns:a16="http://schemas.microsoft.com/office/drawing/2014/main" id="{2F50E3C1-FFD9-4B24-8BBE-3895D379C0E7}"/>
+              </a:ext>
+            </a:extLst>
+          </p:cNvPr>
+          <p:cNvPicPr>
+            <a:picLocks noChangeAspect="1"/>
+          </p:cNvPicPr>
+          <p:nvPr/>
+        </p:nvPicPr>
+        <p:blipFill>
+          <a:blip r:embed="rId3"/>
+          <a:stretch>
+            <a:fillRect/>
+          </a:stretch>
+        </p:blipFill>
+        <p:spPr>
+          <a:xfrm>
+            <a:off x="5593723" y="1571623"/>
+            <a:ext cx="4525539" cy="2503490"/>
+          </a:xfrm>
+          <a:prstGeom prst="rect">
+            <a:avLst/>
+          </a:prstGeom>
+        </p:spPr>
+      </p:pic>
+      <p:pic>
+        <p:nvPicPr>
+          <p:cNvPr id="13" name="图片 12">
+            <a:extLst>
+              <a:ext uri="{FF2B5EF4-FFF2-40B4-BE49-F238E27FC236}">
+                <a16:creationId xmlns:a16="http://schemas.microsoft.com/office/drawing/2014/main" id="{367E687C-ADC4-4C65-9865-85B787C54FBE}"/>
+              </a:ext>
+            </a:extLst>
+          </p:cNvPr>
+          <p:cNvPicPr>
+            <a:picLocks noChangeAspect="1"/>
+          </p:cNvPicPr>
+          <p:nvPr/>
+        </p:nvPicPr>
+        <p:blipFill>
+          <a:blip r:embed="rId4"/>
+          <a:stretch>
+            <a:fillRect/>
+          </a:stretch>
+        </p:blipFill>
+        <p:spPr>
+          <a:xfrm>
+            <a:off x="5593723" y="4291285"/>
+            <a:ext cx="4439636" cy="2417311"/>
+          </a:xfrm>
+          <a:prstGeom prst="rect">
+            <a:avLst/>
+          </a:prstGeom>
+        </p:spPr>
+      </p:pic>
+      <p:pic>
+        <p:nvPicPr>
+          <p:cNvPr id="15" name="图片 14">
+            <a:extLst>
+              <a:ext uri="{FF2B5EF4-FFF2-40B4-BE49-F238E27FC236}">
+                <a16:creationId xmlns:a16="http://schemas.microsoft.com/office/drawing/2014/main" id="{C9AAF261-2A20-4FFB-95E0-EBD32A85CAEE}"/>
+              </a:ext>
+            </a:extLst>
+          </p:cNvPr>
+          <p:cNvPicPr>
+            <a:picLocks noChangeAspect="1"/>
+          </p:cNvPicPr>
+          <p:nvPr/>
+        </p:nvPicPr>
+        <p:blipFill>
+          <a:blip r:embed="rId5"/>
+          <a:stretch>
+            <a:fillRect/>
+          </a:stretch>
+        </p:blipFill>
+        <p:spPr>
+          <a:xfrm>
+            <a:off x="773805" y="4155133"/>
+            <a:ext cx="3933423" cy="2586017"/>
+          </a:xfrm>
+          <a:prstGeom prst="rect">
+            <a:avLst/>
+          </a:prstGeom>
+        </p:spPr>
+      </p:pic>
+    </p:spTree>
+    <p:extLst>
+      <p:ext uri="{BB962C8B-B14F-4D97-AF65-F5344CB8AC3E}">
+        <p14:creationId xmlns:p14="http://schemas.microsoft.com/office/powerpoint/2010/main" val="3642756536"/>
+      </p:ext>
+    </p:extLst>
+  </p:cSld>
+  <p:clrMapOvr>
+    <a:masterClrMapping/>
+  </p:clrMapOvr>
+</p:sld>
+</file>
+
+<file path=ppt/slides/slide19.xml><?xml version="1.0" encoding="utf-8"?>
+<p:sld xmlns:a="http://schemas.openxmlformats.org/drawingml/2006/main" xmlns:r="http://schemas.openxmlformats.org/officeDocument/2006/relationships" xmlns:p="http://schemas.openxmlformats.org/presentationml/2006/main">
+  <p:cSld>
+    <p:spTree>
+      <p:nvGrpSpPr>
+        <p:cNvPr id="1" name=""/>
+        <p:cNvGrpSpPr/>
+        <p:nvPr/>
+      </p:nvGrpSpPr>
+      <p:grpSpPr>
+        <a:xfrm>
+          <a:off x="0" y="0"/>
+          <a:ext cx="0" cy="0"/>
+          <a:chOff x="0" y="0"/>
+          <a:chExt cx="0" cy="0"/>
+        </a:xfrm>
+      </p:grpSpPr>
+      <p:sp>
+        <p:nvSpPr>
+          <p:cNvPr id="2" name="标题 1">
+            <a:extLst>
+              <a:ext uri="{FF2B5EF4-FFF2-40B4-BE49-F238E27FC236}">
+                <a16:creationId xmlns:a16="http://schemas.microsoft.com/office/drawing/2014/main" id="{5B351AC3-AF25-44B6-B758-135C9242A9DD}"/>
+              </a:ext>
+            </a:extLst>
+          </p:cNvPr>
+          <p:cNvSpPr>
+            <a:spLocks noGrp="1"/>
+          </p:cNvSpPr>
+          <p:nvPr>
+            <p:ph type="title"/>
+          </p:nvPr>
+        </p:nvSpPr>
+        <p:spPr/>
+        <p:txBody>
+          <a:bodyPr/>
+          <a:lstStyle/>
+          <a:p>
+            <a:r>
+              <a:rPr lang="en-US" altLang="zh-CN" dirty="0"/>
+              <a:t>Sediment + Crust </a:t>
+            </a:r>
+            <a:r>
+              <a:rPr lang="zh-CN" altLang="en-US"/>
+              <a:t>通过</a:t>
+            </a:r>
+            <a:endParaRPr lang="en-US" dirty="0"/>
+          </a:p>
+        </p:txBody>
+      </p:sp>
+      <p:pic>
+        <p:nvPicPr>
+          <p:cNvPr id="5" name="图片 4">
+            <a:extLst>
+              <a:ext uri="{FF2B5EF4-FFF2-40B4-BE49-F238E27FC236}">
+                <a16:creationId xmlns:a16="http://schemas.microsoft.com/office/drawing/2014/main" id="{1FD5C4E7-63AF-4241-8BAE-50B09E78D32D}"/>
+              </a:ext>
+            </a:extLst>
+          </p:cNvPr>
+          <p:cNvPicPr>
+            <a:picLocks noChangeAspect="1"/>
+          </p:cNvPicPr>
+          <p:nvPr/>
+        </p:nvPicPr>
+        <p:blipFill>
+          <a:blip r:embed="rId2"/>
+          <a:stretch>
+            <a:fillRect/>
+          </a:stretch>
+        </p:blipFill>
+        <p:spPr>
+          <a:xfrm>
+            <a:off x="994769" y="1700203"/>
+            <a:ext cx="3696315" cy="2433406"/>
+          </a:xfrm>
+          <a:prstGeom prst="rect">
+            <a:avLst/>
+          </a:prstGeom>
+        </p:spPr>
+      </p:pic>
+      <p:pic>
+        <p:nvPicPr>
+          <p:cNvPr id="7" name="图片 6">
+            <a:extLst>
+              <a:ext uri="{FF2B5EF4-FFF2-40B4-BE49-F238E27FC236}">
+                <a16:creationId xmlns:a16="http://schemas.microsoft.com/office/drawing/2014/main" id="{7780BD9F-FD2D-4FDE-B65A-979C1EFF77D0}"/>
+              </a:ext>
+            </a:extLst>
+          </p:cNvPr>
+          <p:cNvPicPr>
+            <a:picLocks noChangeAspect="1"/>
+          </p:cNvPicPr>
+          <p:nvPr/>
+        </p:nvPicPr>
+        <p:blipFill>
+          <a:blip r:embed="rId3"/>
+          <a:stretch>
+            <a:fillRect/>
+          </a:stretch>
+        </p:blipFill>
+        <p:spPr>
+          <a:xfrm>
+            <a:off x="6096000" y="1780006"/>
+            <a:ext cx="4331304" cy="2433406"/>
+          </a:xfrm>
+          <a:prstGeom prst="rect">
+            <a:avLst/>
+          </a:prstGeom>
+        </p:spPr>
+      </p:pic>
+      <p:pic>
+        <p:nvPicPr>
+          <p:cNvPr id="9" name="图片 8">
+            <a:extLst>
+              <a:ext uri="{FF2B5EF4-FFF2-40B4-BE49-F238E27FC236}">
+                <a16:creationId xmlns:a16="http://schemas.microsoft.com/office/drawing/2014/main" id="{A4DA672D-8EF6-4702-B4B0-28A3F5816700}"/>
+              </a:ext>
+            </a:extLst>
+          </p:cNvPr>
+          <p:cNvPicPr>
+            <a:picLocks noChangeAspect="1"/>
+          </p:cNvPicPr>
+          <p:nvPr/>
+        </p:nvPicPr>
+        <p:blipFill>
+          <a:blip r:embed="rId4"/>
+          <a:stretch>
+            <a:fillRect/>
+          </a:stretch>
+        </p:blipFill>
+        <p:spPr>
+          <a:xfrm>
+            <a:off x="6149883" y="4288440"/>
+            <a:ext cx="4146775" cy="2358989"/>
+          </a:xfrm>
+          <a:prstGeom prst="rect">
+            <a:avLst/>
+          </a:prstGeom>
+        </p:spPr>
+      </p:pic>
+      <p:pic>
+        <p:nvPicPr>
+          <p:cNvPr id="13" name="图片 12">
+            <a:extLst>
+              <a:ext uri="{FF2B5EF4-FFF2-40B4-BE49-F238E27FC236}">
+                <a16:creationId xmlns:a16="http://schemas.microsoft.com/office/drawing/2014/main" id="{1D531362-F039-44C8-8A26-E37DDAB14144}"/>
+              </a:ext>
+            </a:extLst>
+          </p:cNvPr>
+          <p:cNvPicPr>
+            <a:picLocks noChangeAspect="1"/>
+          </p:cNvPicPr>
+          <p:nvPr/>
+        </p:nvPicPr>
+        <p:blipFill>
+          <a:blip r:embed="rId5"/>
+          <a:stretch>
+            <a:fillRect/>
+          </a:stretch>
+        </p:blipFill>
+        <p:spPr>
+          <a:xfrm>
+            <a:off x="994769" y="4184903"/>
+            <a:ext cx="3815490" cy="2530273"/>
+          </a:xfrm>
+          <a:prstGeom prst="rect">
+            <a:avLst/>
+          </a:prstGeom>
+        </p:spPr>
+      </p:pic>
+    </p:spTree>
+    <p:extLst>
+      <p:ext uri="{BB962C8B-B14F-4D97-AF65-F5344CB8AC3E}">
+        <p14:creationId xmlns:p14="http://schemas.microsoft.com/office/powerpoint/2010/main" val="1583886087"/>
       </p:ext>
     </p:extLst>
   </p:cSld>

--- a/Slides.pptx
+++ b/Slides.pptx
@@ -24,6 +24,8 @@
     <p:sldId id="272" r:id="rId18"/>
     <p:sldId id="273" r:id="rId19"/>
     <p:sldId id="274" r:id="rId20"/>
+    <p:sldId id="275" r:id="rId21"/>
+    <p:sldId id="276" r:id="rId22"/>
   </p:sldIdLst>
   <p:sldSz cx="12192000" cy="6858000"/>
   <p:notesSz cx="6858000" cy="9144000"/>
@@ -279,7 +281,7 @@
           <a:p>
             <a:fld id="{C4DE8108-F81C-4AAB-B113-55C47FC8223C}" type="datetimeFigureOut">
               <a:rPr lang="en-US" smtClean="0"/>
-              <a:t>11/10/2024</a:t>
+              <a:t>11/15/2024</a:t>
             </a:fld>
             <a:endParaRPr lang="en-US"/>
           </a:p>
@@ -479,7 +481,7 @@
           <a:p>
             <a:fld id="{C4DE8108-F81C-4AAB-B113-55C47FC8223C}" type="datetimeFigureOut">
               <a:rPr lang="en-US" smtClean="0"/>
-              <a:t>11/10/2024</a:t>
+              <a:t>11/15/2024</a:t>
             </a:fld>
             <a:endParaRPr lang="en-US"/>
           </a:p>
@@ -689,7 +691,7 @@
           <a:p>
             <a:fld id="{C4DE8108-F81C-4AAB-B113-55C47FC8223C}" type="datetimeFigureOut">
               <a:rPr lang="en-US" smtClean="0"/>
-              <a:t>11/10/2024</a:t>
+              <a:t>11/15/2024</a:t>
             </a:fld>
             <a:endParaRPr lang="en-US"/>
           </a:p>
@@ -889,7 +891,7 @@
           <a:p>
             <a:fld id="{C4DE8108-F81C-4AAB-B113-55C47FC8223C}" type="datetimeFigureOut">
               <a:rPr lang="en-US" smtClean="0"/>
-              <a:t>11/10/2024</a:t>
+              <a:t>11/15/2024</a:t>
             </a:fld>
             <a:endParaRPr lang="en-US"/>
           </a:p>
@@ -1165,7 +1167,7 @@
           <a:p>
             <a:fld id="{C4DE8108-F81C-4AAB-B113-55C47FC8223C}" type="datetimeFigureOut">
               <a:rPr lang="en-US" smtClean="0"/>
-              <a:t>11/10/2024</a:t>
+              <a:t>11/15/2024</a:t>
             </a:fld>
             <a:endParaRPr lang="en-US"/>
           </a:p>
@@ -1433,7 +1435,7 @@
           <a:p>
             <a:fld id="{C4DE8108-F81C-4AAB-B113-55C47FC8223C}" type="datetimeFigureOut">
               <a:rPr lang="en-US" smtClean="0"/>
-              <a:t>11/10/2024</a:t>
+              <a:t>11/15/2024</a:t>
             </a:fld>
             <a:endParaRPr lang="en-US"/>
           </a:p>
@@ -1848,7 +1850,7 @@
           <a:p>
             <a:fld id="{C4DE8108-F81C-4AAB-B113-55C47FC8223C}" type="datetimeFigureOut">
               <a:rPr lang="en-US" smtClean="0"/>
-              <a:t>11/10/2024</a:t>
+              <a:t>11/15/2024</a:t>
             </a:fld>
             <a:endParaRPr lang="en-US"/>
           </a:p>
@@ -1990,7 +1992,7 @@
           <a:p>
             <a:fld id="{C4DE8108-F81C-4AAB-B113-55C47FC8223C}" type="datetimeFigureOut">
               <a:rPr lang="en-US" smtClean="0"/>
-              <a:t>11/10/2024</a:t>
+              <a:t>11/15/2024</a:t>
             </a:fld>
             <a:endParaRPr lang="en-US"/>
           </a:p>
@@ -2103,7 +2105,7 @@
           <a:p>
             <a:fld id="{C4DE8108-F81C-4AAB-B113-55C47FC8223C}" type="datetimeFigureOut">
               <a:rPr lang="en-US" smtClean="0"/>
-              <a:t>11/10/2024</a:t>
+              <a:t>11/15/2024</a:t>
             </a:fld>
             <a:endParaRPr lang="en-US"/>
           </a:p>
@@ -2416,7 +2418,7 @@
           <a:p>
             <a:fld id="{C4DE8108-F81C-4AAB-B113-55C47FC8223C}" type="datetimeFigureOut">
               <a:rPr lang="en-US" smtClean="0"/>
-              <a:t>11/10/2024</a:t>
+              <a:t>11/15/2024</a:t>
             </a:fld>
             <a:endParaRPr lang="en-US"/>
           </a:p>
@@ -2705,7 +2707,7 @@
           <a:p>
             <a:fld id="{C4DE8108-F81C-4AAB-B113-55C47FC8223C}" type="datetimeFigureOut">
               <a:rPr lang="en-US" smtClean="0"/>
-              <a:t>11/10/2024</a:t>
+              <a:t>11/15/2024</a:t>
             </a:fld>
             <a:endParaRPr lang="en-US"/>
           </a:p>
@@ -2948,7 +2950,7 @@
           <a:p>
             <a:fld id="{C4DE8108-F81C-4AAB-B113-55C47FC8223C}" type="datetimeFigureOut">
               <a:rPr lang="en-US" smtClean="0"/>
-              <a:t>11/10/2024</a:t>
+              <a:t>11/15/2024</a:t>
             </a:fld>
             <a:endParaRPr lang="en-US"/>
           </a:p>
@@ -8667,6 +8669,369 @@
 </p:sld>
 </file>
 
+<file path=ppt/slides/slide20.xml><?xml version="1.0" encoding="utf-8"?>
+<p:sld xmlns:a="http://schemas.openxmlformats.org/drawingml/2006/main" xmlns:r="http://schemas.openxmlformats.org/officeDocument/2006/relationships" xmlns:p="http://schemas.openxmlformats.org/presentationml/2006/main">
+  <p:cSld>
+    <p:spTree>
+      <p:nvGrpSpPr>
+        <p:cNvPr id="1" name=""/>
+        <p:cNvGrpSpPr/>
+        <p:nvPr/>
+      </p:nvGrpSpPr>
+      <p:grpSpPr>
+        <a:xfrm>
+          <a:off x="0" y="0"/>
+          <a:ext cx="0" cy="0"/>
+          <a:chOff x="0" y="0"/>
+          <a:chExt cx="0" cy="0"/>
+        </a:xfrm>
+      </p:grpSpPr>
+      <p:sp>
+        <p:nvSpPr>
+          <p:cNvPr id="2" name="标题 1">
+            <a:extLst>
+              <a:ext uri="{FF2B5EF4-FFF2-40B4-BE49-F238E27FC236}">
+                <a16:creationId xmlns:a16="http://schemas.microsoft.com/office/drawing/2014/main" id="{6A0ACF7F-1DFD-47EE-AD2B-960F79A565E1}"/>
+              </a:ext>
+            </a:extLst>
+          </p:cNvPr>
+          <p:cNvSpPr>
+            <a:spLocks noGrp="1"/>
+          </p:cNvSpPr>
+          <p:nvPr>
+            <p:ph type="title"/>
+          </p:nvPr>
+        </p:nvSpPr>
+        <p:spPr/>
+        <p:txBody>
+          <a:bodyPr/>
+          <a:lstStyle/>
+          <a:p>
+            <a:r>
+              <a:rPr lang="en-US" altLang="zh-CN" dirty="0"/>
+              <a:t>LM </a:t>
+            </a:r>
+            <a:r>
+              <a:rPr lang="zh-CN" altLang="en-US" dirty="0"/>
+              <a:t>通过</a:t>
+            </a:r>
+          </a:p>
+        </p:txBody>
+      </p:sp>
+      <p:pic>
+        <p:nvPicPr>
+          <p:cNvPr id="5" name="内容占位符 4">
+            <a:extLst>
+              <a:ext uri="{FF2B5EF4-FFF2-40B4-BE49-F238E27FC236}">
+                <a16:creationId xmlns:a16="http://schemas.microsoft.com/office/drawing/2014/main" id="{287BE00F-388D-4A27-B746-00E19579C049}"/>
+              </a:ext>
+            </a:extLst>
+          </p:cNvPr>
+          <p:cNvPicPr>
+            <a:picLocks noGrp="1" noChangeAspect="1"/>
+          </p:cNvPicPr>
+          <p:nvPr>
+            <p:ph idx="1"/>
+          </p:nvPr>
+        </p:nvPicPr>
+        <p:blipFill>
+          <a:blip r:embed="rId2"/>
+          <a:stretch>
+            <a:fillRect/>
+          </a:stretch>
+        </p:blipFill>
+        <p:spPr>
+          <a:xfrm>
+            <a:off x="918729" y="1557083"/>
+            <a:ext cx="3554134" cy="2409582"/>
+          </a:xfrm>
+        </p:spPr>
+      </p:pic>
+      <p:pic>
+        <p:nvPicPr>
+          <p:cNvPr id="7" name="图片 6">
+            <a:extLst>
+              <a:ext uri="{FF2B5EF4-FFF2-40B4-BE49-F238E27FC236}">
+                <a16:creationId xmlns:a16="http://schemas.microsoft.com/office/drawing/2014/main" id="{7A0CBD75-A4EB-489B-8C70-1186037B57EF}"/>
+              </a:ext>
+            </a:extLst>
+          </p:cNvPr>
+          <p:cNvPicPr>
+            <a:picLocks noChangeAspect="1"/>
+          </p:cNvPicPr>
+          <p:nvPr/>
+        </p:nvPicPr>
+        <p:blipFill>
+          <a:blip r:embed="rId3"/>
+          <a:stretch>
+            <a:fillRect/>
+          </a:stretch>
+        </p:blipFill>
+        <p:spPr>
+          <a:xfrm>
+            <a:off x="6257998" y="1298111"/>
+            <a:ext cx="4513457" cy="2534955"/>
+          </a:xfrm>
+          <a:prstGeom prst="rect">
+            <a:avLst/>
+          </a:prstGeom>
+        </p:spPr>
+      </p:pic>
+      <p:pic>
+        <p:nvPicPr>
+          <p:cNvPr id="17" name="图片 16">
+            <a:extLst>
+              <a:ext uri="{FF2B5EF4-FFF2-40B4-BE49-F238E27FC236}">
+                <a16:creationId xmlns:a16="http://schemas.microsoft.com/office/drawing/2014/main" id="{6A8417E2-9B33-4CD3-8BB9-A2714CC227B8}"/>
+              </a:ext>
+            </a:extLst>
+          </p:cNvPr>
+          <p:cNvPicPr>
+            <a:picLocks noChangeAspect="1"/>
+          </p:cNvPicPr>
+          <p:nvPr/>
+        </p:nvPicPr>
+        <p:blipFill>
+          <a:blip r:embed="rId4"/>
+          <a:stretch>
+            <a:fillRect/>
+          </a:stretch>
+        </p:blipFill>
+        <p:spPr>
+          <a:xfrm>
+            <a:off x="838200" y="4264832"/>
+            <a:ext cx="3828415" cy="2425456"/>
+          </a:xfrm>
+          <a:prstGeom prst="rect">
+            <a:avLst/>
+          </a:prstGeom>
+        </p:spPr>
+      </p:pic>
+      <p:pic>
+        <p:nvPicPr>
+          <p:cNvPr id="19" name="图片 18">
+            <a:extLst>
+              <a:ext uri="{FF2B5EF4-FFF2-40B4-BE49-F238E27FC236}">
+                <a16:creationId xmlns:a16="http://schemas.microsoft.com/office/drawing/2014/main" id="{40552A9A-6403-4B3E-A9A3-44FD707D29D8}"/>
+              </a:ext>
+            </a:extLst>
+          </p:cNvPr>
+          <p:cNvPicPr>
+            <a:picLocks noChangeAspect="1"/>
+          </p:cNvPicPr>
+          <p:nvPr/>
+        </p:nvPicPr>
+        <p:blipFill>
+          <a:blip r:embed="rId5"/>
+          <a:stretch>
+            <a:fillRect/>
+          </a:stretch>
+        </p:blipFill>
+        <p:spPr>
+          <a:xfrm>
+            <a:off x="6188800" y="4015056"/>
+            <a:ext cx="4582655" cy="2534955"/>
+          </a:xfrm>
+          <a:prstGeom prst="rect">
+            <a:avLst/>
+          </a:prstGeom>
+        </p:spPr>
+      </p:pic>
+    </p:spTree>
+    <p:extLst>
+      <p:ext uri="{BB962C8B-B14F-4D97-AF65-F5344CB8AC3E}">
+        <p14:creationId xmlns:p14="http://schemas.microsoft.com/office/powerpoint/2010/main" val="528105994"/>
+      </p:ext>
+    </p:extLst>
+  </p:cSld>
+  <p:clrMapOvr>
+    <a:masterClrMapping/>
+  </p:clrMapOvr>
+</p:sld>
+</file>
+
+<file path=ppt/slides/slide21.xml><?xml version="1.0" encoding="utf-8"?>
+<p:sld xmlns:a="http://schemas.openxmlformats.org/drawingml/2006/main" xmlns:r="http://schemas.openxmlformats.org/officeDocument/2006/relationships" xmlns:p="http://schemas.openxmlformats.org/presentationml/2006/main">
+  <p:cSld>
+    <p:spTree>
+      <p:nvGrpSpPr>
+        <p:cNvPr id="1" name=""/>
+        <p:cNvGrpSpPr/>
+        <p:nvPr/>
+      </p:nvGrpSpPr>
+      <p:grpSpPr>
+        <a:xfrm>
+          <a:off x="0" y="0"/>
+          <a:ext cx="0" cy="0"/>
+          <a:chOff x="0" y="0"/>
+          <a:chExt cx="0" cy="0"/>
+        </a:xfrm>
+      </p:grpSpPr>
+      <p:sp>
+        <p:nvSpPr>
+          <p:cNvPr id="2" name="标题 1">
+            <a:extLst>
+              <a:ext uri="{FF2B5EF4-FFF2-40B4-BE49-F238E27FC236}">
+                <a16:creationId xmlns:a16="http://schemas.microsoft.com/office/drawing/2014/main" id="{02E400D3-5844-40C7-ABDC-AD3B4E7E3391}"/>
+              </a:ext>
+            </a:extLst>
+          </p:cNvPr>
+          <p:cNvSpPr>
+            <a:spLocks noGrp="1"/>
+          </p:cNvSpPr>
+          <p:nvPr>
+            <p:ph type="title"/>
+          </p:nvPr>
+        </p:nvSpPr>
+        <p:spPr/>
+        <p:txBody>
+          <a:bodyPr/>
+          <a:lstStyle/>
+          <a:p>
+            <a:r>
+              <a:rPr lang="en-US" altLang="zh-CN" dirty="0"/>
+              <a:t>Lithosphere </a:t>
+            </a:r>
+            <a:r>
+              <a:rPr lang="zh-CN" altLang="en-US"/>
+              <a:t>通过</a:t>
+            </a:r>
+            <a:endParaRPr lang="zh-CN" altLang="en-US" dirty="0"/>
+          </a:p>
+        </p:txBody>
+      </p:sp>
+      <p:pic>
+        <p:nvPicPr>
+          <p:cNvPr id="5" name="内容占位符 4">
+            <a:extLst>
+              <a:ext uri="{FF2B5EF4-FFF2-40B4-BE49-F238E27FC236}">
+                <a16:creationId xmlns:a16="http://schemas.microsoft.com/office/drawing/2014/main" id="{1526A6C8-329D-4B0A-B52F-35EC07C0399E}"/>
+              </a:ext>
+            </a:extLst>
+          </p:cNvPr>
+          <p:cNvPicPr>
+            <a:picLocks noGrp="1" noChangeAspect="1"/>
+          </p:cNvPicPr>
+          <p:nvPr>
+            <p:ph idx="1"/>
+          </p:nvPr>
+        </p:nvPicPr>
+        <p:blipFill>
+          <a:blip r:embed="rId2"/>
+          <a:stretch>
+            <a:fillRect/>
+          </a:stretch>
+        </p:blipFill>
+        <p:spPr>
+          <a:xfrm>
+            <a:off x="1240838" y="1475509"/>
+            <a:ext cx="3809144" cy="2617167"/>
+          </a:xfrm>
+        </p:spPr>
+      </p:pic>
+      <p:pic>
+        <p:nvPicPr>
+          <p:cNvPr id="7" name="图片 6">
+            <a:extLst>
+              <a:ext uri="{FF2B5EF4-FFF2-40B4-BE49-F238E27FC236}">
+                <a16:creationId xmlns:a16="http://schemas.microsoft.com/office/drawing/2014/main" id="{244E4E5B-50DB-44D2-BBF4-C04D60E61348}"/>
+              </a:ext>
+            </a:extLst>
+          </p:cNvPr>
+          <p:cNvPicPr>
+            <a:picLocks noChangeAspect="1"/>
+          </p:cNvPicPr>
+          <p:nvPr/>
+        </p:nvPicPr>
+        <p:blipFill>
+          <a:blip r:embed="rId3"/>
+          <a:stretch>
+            <a:fillRect/>
+          </a:stretch>
+        </p:blipFill>
+        <p:spPr>
+          <a:xfrm>
+            <a:off x="5971945" y="1475509"/>
+            <a:ext cx="4841078" cy="2660946"/>
+          </a:xfrm>
+          <a:prstGeom prst="rect">
+            <a:avLst/>
+          </a:prstGeom>
+        </p:spPr>
+      </p:pic>
+      <p:pic>
+        <p:nvPicPr>
+          <p:cNvPr id="9" name="图片 8">
+            <a:extLst>
+              <a:ext uri="{FF2B5EF4-FFF2-40B4-BE49-F238E27FC236}">
+                <a16:creationId xmlns:a16="http://schemas.microsoft.com/office/drawing/2014/main" id="{513A66F6-A88D-4EB9-B135-CA622B9B4131}"/>
+              </a:ext>
+            </a:extLst>
+          </p:cNvPr>
+          <p:cNvPicPr>
+            <a:picLocks noChangeAspect="1"/>
+          </p:cNvPicPr>
+          <p:nvPr/>
+        </p:nvPicPr>
+        <p:blipFill>
+          <a:blip r:embed="rId4"/>
+          <a:stretch>
+            <a:fillRect/>
+          </a:stretch>
+        </p:blipFill>
+        <p:spPr>
+          <a:xfrm>
+            <a:off x="6095999" y="4126865"/>
+            <a:ext cx="4772891" cy="2591731"/>
+          </a:xfrm>
+          <a:prstGeom prst="rect">
+            <a:avLst/>
+          </a:prstGeom>
+        </p:spPr>
+      </p:pic>
+      <p:pic>
+        <p:nvPicPr>
+          <p:cNvPr id="11" name="图片 10">
+            <a:extLst>
+              <a:ext uri="{FF2B5EF4-FFF2-40B4-BE49-F238E27FC236}">
+                <a16:creationId xmlns:a16="http://schemas.microsoft.com/office/drawing/2014/main" id="{5D88F1BD-609C-41A3-9747-BCF18B2A0651}"/>
+              </a:ext>
+            </a:extLst>
+          </p:cNvPr>
+          <p:cNvPicPr>
+            <a:picLocks noChangeAspect="1"/>
+          </p:cNvPicPr>
+          <p:nvPr/>
+        </p:nvPicPr>
+        <p:blipFill>
+          <a:blip r:embed="rId5"/>
+          <a:stretch>
+            <a:fillRect/>
+          </a:stretch>
+        </p:blipFill>
+        <p:spPr>
+          <a:xfrm>
+            <a:off x="1323110" y="4198817"/>
+            <a:ext cx="3726872" cy="2605071"/>
+          </a:xfrm>
+          <a:prstGeom prst="rect">
+            <a:avLst/>
+          </a:prstGeom>
+        </p:spPr>
+      </p:pic>
+    </p:spTree>
+    <p:extLst>
+      <p:ext uri="{BB962C8B-B14F-4D97-AF65-F5344CB8AC3E}">
+        <p14:creationId xmlns:p14="http://schemas.microsoft.com/office/powerpoint/2010/main" val="3077230707"/>
+      </p:ext>
+    </p:extLst>
+  </p:cSld>
+  <p:clrMapOvr>
+    <a:masterClrMapping/>
+  </p:clrMapOvr>
+</p:sld>
+</file>
+
 <file path=ppt/slides/slide3.xml><?xml version="1.0" encoding="utf-8"?>
 <p:sld xmlns:a="http://schemas.openxmlformats.org/drawingml/2006/main" xmlns:r="http://schemas.openxmlformats.org/officeDocument/2006/relationships" xmlns:p="http://schemas.openxmlformats.org/presentationml/2006/main">
   <p:cSld>

--- a/Slides.pptx
+++ b/Slides.pptx
@@ -24,8 +24,6 @@
     <p:sldId id="272" r:id="rId18"/>
     <p:sldId id="273" r:id="rId19"/>
     <p:sldId id="274" r:id="rId20"/>
-    <p:sldId id="275" r:id="rId21"/>
-    <p:sldId id="276" r:id="rId22"/>
   </p:sldIdLst>
   <p:sldSz cx="12192000" cy="6858000"/>
   <p:notesSz cx="6858000" cy="9144000"/>
@@ -281,7 +279,7 @@
           <a:p>
             <a:fld id="{C4DE8108-F81C-4AAB-B113-55C47FC8223C}" type="datetimeFigureOut">
               <a:rPr lang="en-US" smtClean="0"/>
-              <a:t>11/15/2024</a:t>
+              <a:t>11/10/2024</a:t>
             </a:fld>
             <a:endParaRPr lang="en-US"/>
           </a:p>
@@ -481,7 +479,7 @@
           <a:p>
             <a:fld id="{C4DE8108-F81C-4AAB-B113-55C47FC8223C}" type="datetimeFigureOut">
               <a:rPr lang="en-US" smtClean="0"/>
-              <a:t>11/15/2024</a:t>
+              <a:t>11/10/2024</a:t>
             </a:fld>
             <a:endParaRPr lang="en-US"/>
           </a:p>
@@ -691,7 +689,7 @@
           <a:p>
             <a:fld id="{C4DE8108-F81C-4AAB-B113-55C47FC8223C}" type="datetimeFigureOut">
               <a:rPr lang="en-US" smtClean="0"/>
-              <a:t>11/15/2024</a:t>
+              <a:t>11/10/2024</a:t>
             </a:fld>
             <a:endParaRPr lang="en-US"/>
           </a:p>
@@ -891,7 +889,7 @@
           <a:p>
             <a:fld id="{C4DE8108-F81C-4AAB-B113-55C47FC8223C}" type="datetimeFigureOut">
               <a:rPr lang="en-US" smtClean="0"/>
-              <a:t>11/15/2024</a:t>
+              <a:t>11/10/2024</a:t>
             </a:fld>
             <a:endParaRPr lang="en-US"/>
           </a:p>
@@ -1167,7 +1165,7 @@
           <a:p>
             <a:fld id="{C4DE8108-F81C-4AAB-B113-55C47FC8223C}" type="datetimeFigureOut">
               <a:rPr lang="en-US" smtClean="0"/>
-              <a:t>11/15/2024</a:t>
+              <a:t>11/10/2024</a:t>
             </a:fld>
             <a:endParaRPr lang="en-US"/>
           </a:p>
@@ -1435,7 +1433,7 @@
           <a:p>
             <a:fld id="{C4DE8108-F81C-4AAB-B113-55C47FC8223C}" type="datetimeFigureOut">
               <a:rPr lang="en-US" smtClean="0"/>
-              <a:t>11/15/2024</a:t>
+              <a:t>11/10/2024</a:t>
             </a:fld>
             <a:endParaRPr lang="en-US"/>
           </a:p>
@@ -1850,7 +1848,7 @@
           <a:p>
             <a:fld id="{C4DE8108-F81C-4AAB-B113-55C47FC8223C}" type="datetimeFigureOut">
               <a:rPr lang="en-US" smtClean="0"/>
-              <a:t>11/15/2024</a:t>
+              <a:t>11/10/2024</a:t>
             </a:fld>
             <a:endParaRPr lang="en-US"/>
           </a:p>
@@ -1992,7 +1990,7 @@
           <a:p>
             <a:fld id="{C4DE8108-F81C-4AAB-B113-55C47FC8223C}" type="datetimeFigureOut">
               <a:rPr lang="en-US" smtClean="0"/>
-              <a:t>11/15/2024</a:t>
+              <a:t>11/10/2024</a:t>
             </a:fld>
             <a:endParaRPr lang="en-US"/>
           </a:p>
@@ -2105,7 +2103,7 @@
           <a:p>
             <a:fld id="{C4DE8108-F81C-4AAB-B113-55C47FC8223C}" type="datetimeFigureOut">
               <a:rPr lang="en-US" smtClean="0"/>
-              <a:t>11/15/2024</a:t>
+              <a:t>11/10/2024</a:t>
             </a:fld>
             <a:endParaRPr lang="en-US"/>
           </a:p>
@@ -2418,7 +2416,7 @@
           <a:p>
             <a:fld id="{C4DE8108-F81C-4AAB-B113-55C47FC8223C}" type="datetimeFigureOut">
               <a:rPr lang="en-US" smtClean="0"/>
-              <a:t>11/15/2024</a:t>
+              <a:t>11/10/2024</a:t>
             </a:fld>
             <a:endParaRPr lang="en-US"/>
           </a:p>
@@ -2707,7 +2705,7 @@
           <a:p>
             <a:fld id="{C4DE8108-F81C-4AAB-B113-55C47FC8223C}" type="datetimeFigureOut">
               <a:rPr lang="en-US" smtClean="0"/>
-              <a:t>11/15/2024</a:t>
+              <a:t>11/10/2024</a:t>
             </a:fld>
             <a:endParaRPr lang="en-US"/>
           </a:p>
@@ -2950,7 +2948,7 @@
           <a:p>
             <a:fld id="{C4DE8108-F81C-4AAB-B113-55C47FC8223C}" type="datetimeFigureOut">
               <a:rPr lang="en-US" smtClean="0"/>
-              <a:t>11/15/2024</a:t>
+              <a:t>11/10/2024</a:t>
             </a:fld>
             <a:endParaRPr lang="en-US"/>
           </a:p>
@@ -8669,369 +8667,6 @@
 </p:sld>
 </file>
 
-<file path=ppt/slides/slide20.xml><?xml version="1.0" encoding="utf-8"?>
-<p:sld xmlns:a="http://schemas.openxmlformats.org/drawingml/2006/main" xmlns:r="http://schemas.openxmlformats.org/officeDocument/2006/relationships" xmlns:p="http://schemas.openxmlformats.org/presentationml/2006/main">
-  <p:cSld>
-    <p:spTree>
-      <p:nvGrpSpPr>
-        <p:cNvPr id="1" name=""/>
-        <p:cNvGrpSpPr/>
-        <p:nvPr/>
-      </p:nvGrpSpPr>
-      <p:grpSpPr>
-        <a:xfrm>
-          <a:off x="0" y="0"/>
-          <a:ext cx="0" cy="0"/>
-          <a:chOff x="0" y="0"/>
-          <a:chExt cx="0" cy="0"/>
-        </a:xfrm>
-      </p:grpSpPr>
-      <p:sp>
-        <p:nvSpPr>
-          <p:cNvPr id="2" name="标题 1">
-            <a:extLst>
-              <a:ext uri="{FF2B5EF4-FFF2-40B4-BE49-F238E27FC236}">
-                <a16:creationId xmlns:a16="http://schemas.microsoft.com/office/drawing/2014/main" id="{6A0ACF7F-1DFD-47EE-AD2B-960F79A565E1}"/>
-              </a:ext>
-            </a:extLst>
-          </p:cNvPr>
-          <p:cNvSpPr>
-            <a:spLocks noGrp="1"/>
-          </p:cNvSpPr>
-          <p:nvPr>
-            <p:ph type="title"/>
-          </p:nvPr>
-        </p:nvSpPr>
-        <p:spPr/>
-        <p:txBody>
-          <a:bodyPr/>
-          <a:lstStyle/>
-          <a:p>
-            <a:r>
-              <a:rPr lang="en-US" altLang="zh-CN" dirty="0"/>
-              <a:t>LM </a:t>
-            </a:r>
-            <a:r>
-              <a:rPr lang="zh-CN" altLang="en-US" dirty="0"/>
-              <a:t>通过</a:t>
-            </a:r>
-          </a:p>
-        </p:txBody>
-      </p:sp>
-      <p:pic>
-        <p:nvPicPr>
-          <p:cNvPr id="5" name="内容占位符 4">
-            <a:extLst>
-              <a:ext uri="{FF2B5EF4-FFF2-40B4-BE49-F238E27FC236}">
-                <a16:creationId xmlns:a16="http://schemas.microsoft.com/office/drawing/2014/main" id="{287BE00F-388D-4A27-B746-00E19579C049}"/>
-              </a:ext>
-            </a:extLst>
-          </p:cNvPr>
-          <p:cNvPicPr>
-            <a:picLocks noGrp="1" noChangeAspect="1"/>
-          </p:cNvPicPr>
-          <p:nvPr>
-            <p:ph idx="1"/>
-          </p:nvPr>
-        </p:nvPicPr>
-        <p:blipFill>
-          <a:blip r:embed="rId2"/>
-          <a:stretch>
-            <a:fillRect/>
-          </a:stretch>
-        </p:blipFill>
-        <p:spPr>
-          <a:xfrm>
-            <a:off x="918729" y="1557083"/>
-            <a:ext cx="3554134" cy="2409582"/>
-          </a:xfrm>
-        </p:spPr>
-      </p:pic>
-      <p:pic>
-        <p:nvPicPr>
-          <p:cNvPr id="7" name="图片 6">
-            <a:extLst>
-              <a:ext uri="{FF2B5EF4-FFF2-40B4-BE49-F238E27FC236}">
-                <a16:creationId xmlns:a16="http://schemas.microsoft.com/office/drawing/2014/main" id="{7A0CBD75-A4EB-489B-8C70-1186037B57EF}"/>
-              </a:ext>
-            </a:extLst>
-          </p:cNvPr>
-          <p:cNvPicPr>
-            <a:picLocks noChangeAspect="1"/>
-          </p:cNvPicPr>
-          <p:nvPr/>
-        </p:nvPicPr>
-        <p:blipFill>
-          <a:blip r:embed="rId3"/>
-          <a:stretch>
-            <a:fillRect/>
-          </a:stretch>
-        </p:blipFill>
-        <p:spPr>
-          <a:xfrm>
-            <a:off x="6257998" y="1298111"/>
-            <a:ext cx="4513457" cy="2534955"/>
-          </a:xfrm>
-          <a:prstGeom prst="rect">
-            <a:avLst/>
-          </a:prstGeom>
-        </p:spPr>
-      </p:pic>
-      <p:pic>
-        <p:nvPicPr>
-          <p:cNvPr id="17" name="图片 16">
-            <a:extLst>
-              <a:ext uri="{FF2B5EF4-FFF2-40B4-BE49-F238E27FC236}">
-                <a16:creationId xmlns:a16="http://schemas.microsoft.com/office/drawing/2014/main" id="{6A8417E2-9B33-4CD3-8BB9-A2714CC227B8}"/>
-              </a:ext>
-            </a:extLst>
-          </p:cNvPr>
-          <p:cNvPicPr>
-            <a:picLocks noChangeAspect="1"/>
-          </p:cNvPicPr>
-          <p:nvPr/>
-        </p:nvPicPr>
-        <p:blipFill>
-          <a:blip r:embed="rId4"/>
-          <a:stretch>
-            <a:fillRect/>
-          </a:stretch>
-        </p:blipFill>
-        <p:spPr>
-          <a:xfrm>
-            <a:off x="838200" y="4264832"/>
-            <a:ext cx="3828415" cy="2425456"/>
-          </a:xfrm>
-          <a:prstGeom prst="rect">
-            <a:avLst/>
-          </a:prstGeom>
-        </p:spPr>
-      </p:pic>
-      <p:pic>
-        <p:nvPicPr>
-          <p:cNvPr id="19" name="图片 18">
-            <a:extLst>
-              <a:ext uri="{FF2B5EF4-FFF2-40B4-BE49-F238E27FC236}">
-                <a16:creationId xmlns:a16="http://schemas.microsoft.com/office/drawing/2014/main" id="{40552A9A-6403-4B3E-A9A3-44FD707D29D8}"/>
-              </a:ext>
-            </a:extLst>
-          </p:cNvPr>
-          <p:cNvPicPr>
-            <a:picLocks noChangeAspect="1"/>
-          </p:cNvPicPr>
-          <p:nvPr/>
-        </p:nvPicPr>
-        <p:blipFill>
-          <a:blip r:embed="rId5"/>
-          <a:stretch>
-            <a:fillRect/>
-          </a:stretch>
-        </p:blipFill>
-        <p:spPr>
-          <a:xfrm>
-            <a:off x="6188800" y="4015056"/>
-            <a:ext cx="4582655" cy="2534955"/>
-          </a:xfrm>
-          <a:prstGeom prst="rect">
-            <a:avLst/>
-          </a:prstGeom>
-        </p:spPr>
-      </p:pic>
-    </p:spTree>
-    <p:extLst>
-      <p:ext uri="{BB962C8B-B14F-4D97-AF65-F5344CB8AC3E}">
-        <p14:creationId xmlns:p14="http://schemas.microsoft.com/office/powerpoint/2010/main" val="528105994"/>
-      </p:ext>
-    </p:extLst>
-  </p:cSld>
-  <p:clrMapOvr>
-    <a:masterClrMapping/>
-  </p:clrMapOvr>
-</p:sld>
-</file>
-
-<file path=ppt/slides/slide21.xml><?xml version="1.0" encoding="utf-8"?>
-<p:sld xmlns:a="http://schemas.openxmlformats.org/drawingml/2006/main" xmlns:r="http://schemas.openxmlformats.org/officeDocument/2006/relationships" xmlns:p="http://schemas.openxmlformats.org/presentationml/2006/main">
-  <p:cSld>
-    <p:spTree>
-      <p:nvGrpSpPr>
-        <p:cNvPr id="1" name=""/>
-        <p:cNvGrpSpPr/>
-        <p:nvPr/>
-      </p:nvGrpSpPr>
-      <p:grpSpPr>
-        <a:xfrm>
-          <a:off x="0" y="0"/>
-          <a:ext cx="0" cy="0"/>
-          <a:chOff x="0" y="0"/>
-          <a:chExt cx="0" cy="0"/>
-        </a:xfrm>
-      </p:grpSpPr>
-      <p:sp>
-        <p:nvSpPr>
-          <p:cNvPr id="2" name="标题 1">
-            <a:extLst>
-              <a:ext uri="{FF2B5EF4-FFF2-40B4-BE49-F238E27FC236}">
-                <a16:creationId xmlns:a16="http://schemas.microsoft.com/office/drawing/2014/main" id="{02E400D3-5844-40C7-ABDC-AD3B4E7E3391}"/>
-              </a:ext>
-            </a:extLst>
-          </p:cNvPr>
-          <p:cNvSpPr>
-            <a:spLocks noGrp="1"/>
-          </p:cNvSpPr>
-          <p:nvPr>
-            <p:ph type="title"/>
-          </p:nvPr>
-        </p:nvSpPr>
-        <p:spPr/>
-        <p:txBody>
-          <a:bodyPr/>
-          <a:lstStyle/>
-          <a:p>
-            <a:r>
-              <a:rPr lang="en-US" altLang="zh-CN" dirty="0"/>
-              <a:t>Lithosphere </a:t>
-            </a:r>
-            <a:r>
-              <a:rPr lang="zh-CN" altLang="en-US"/>
-              <a:t>通过</a:t>
-            </a:r>
-            <a:endParaRPr lang="zh-CN" altLang="en-US" dirty="0"/>
-          </a:p>
-        </p:txBody>
-      </p:sp>
-      <p:pic>
-        <p:nvPicPr>
-          <p:cNvPr id="5" name="内容占位符 4">
-            <a:extLst>
-              <a:ext uri="{FF2B5EF4-FFF2-40B4-BE49-F238E27FC236}">
-                <a16:creationId xmlns:a16="http://schemas.microsoft.com/office/drawing/2014/main" id="{1526A6C8-329D-4B0A-B52F-35EC07C0399E}"/>
-              </a:ext>
-            </a:extLst>
-          </p:cNvPr>
-          <p:cNvPicPr>
-            <a:picLocks noGrp="1" noChangeAspect="1"/>
-          </p:cNvPicPr>
-          <p:nvPr>
-            <p:ph idx="1"/>
-          </p:nvPr>
-        </p:nvPicPr>
-        <p:blipFill>
-          <a:blip r:embed="rId2"/>
-          <a:stretch>
-            <a:fillRect/>
-          </a:stretch>
-        </p:blipFill>
-        <p:spPr>
-          <a:xfrm>
-            <a:off x="1240838" y="1475509"/>
-            <a:ext cx="3809144" cy="2617167"/>
-          </a:xfrm>
-        </p:spPr>
-      </p:pic>
-      <p:pic>
-        <p:nvPicPr>
-          <p:cNvPr id="7" name="图片 6">
-            <a:extLst>
-              <a:ext uri="{FF2B5EF4-FFF2-40B4-BE49-F238E27FC236}">
-                <a16:creationId xmlns:a16="http://schemas.microsoft.com/office/drawing/2014/main" id="{244E4E5B-50DB-44D2-BBF4-C04D60E61348}"/>
-              </a:ext>
-            </a:extLst>
-          </p:cNvPr>
-          <p:cNvPicPr>
-            <a:picLocks noChangeAspect="1"/>
-          </p:cNvPicPr>
-          <p:nvPr/>
-        </p:nvPicPr>
-        <p:blipFill>
-          <a:blip r:embed="rId3"/>
-          <a:stretch>
-            <a:fillRect/>
-          </a:stretch>
-        </p:blipFill>
-        <p:spPr>
-          <a:xfrm>
-            <a:off x="5971945" y="1475509"/>
-            <a:ext cx="4841078" cy="2660946"/>
-          </a:xfrm>
-          <a:prstGeom prst="rect">
-            <a:avLst/>
-          </a:prstGeom>
-        </p:spPr>
-      </p:pic>
-      <p:pic>
-        <p:nvPicPr>
-          <p:cNvPr id="9" name="图片 8">
-            <a:extLst>
-              <a:ext uri="{FF2B5EF4-FFF2-40B4-BE49-F238E27FC236}">
-                <a16:creationId xmlns:a16="http://schemas.microsoft.com/office/drawing/2014/main" id="{513A66F6-A88D-4EB9-B135-CA622B9B4131}"/>
-              </a:ext>
-            </a:extLst>
-          </p:cNvPr>
-          <p:cNvPicPr>
-            <a:picLocks noChangeAspect="1"/>
-          </p:cNvPicPr>
-          <p:nvPr/>
-        </p:nvPicPr>
-        <p:blipFill>
-          <a:blip r:embed="rId4"/>
-          <a:stretch>
-            <a:fillRect/>
-          </a:stretch>
-        </p:blipFill>
-        <p:spPr>
-          <a:xfrm>
-            <a:off x="6095999" y="4126865"/>
-            <a:ext cx="4772891" cy="2591731"/>
-          </a:xfrm>
-          <a:prstGeom prst="rect">
-            <a:avLst/>
-          </a:prstGeom>
-        </p:spPr>
-      </p:pic>
-      <p:pic>
-        <p:nvPicPr>
-          <p:cNvPr id="11" name="图片 10">
-            <a:extLst>
-              <a:ext uri="{FF2B5EF4-FFF2-40B4-BE49-F238E27FC236}">
-                <a16:creationId xmlns:a16="http://schemas.microsoft.com/office/drawing/2014/main" id="{5D88F1BD-609C-41A3-9747-BCF18B2A0651}"/>
-              </a:ext>
-            </a:extLst>
-          </p:cNvPr>
-          <p:cNvPicPr>
-            <a:picLocks noChangeAspect="1"/>
-          </p:cNvPicPr>
-          <p:nvPr/>
-        </p:nvPicPr>
-        <p:blipFill>
-          <a:blip r:embed="rId5"/>
-          <a:stretch>
-            <a:fillRect/>
-          </a:stretch>
-        </p:blipFill>
-        <p:spPr>
-          <a:xfrm>
-            <a:off x="1323110" y="4198817"/>
-            <a:ext cx="3726872" cy="2605071"/>
-          </a:xfrm>
-          <a:prstGeom prst="rect">
-            <a:avLst/>
-          </a:prstGeom>
-        </p:spPr>
-      </p:pic>
-    </p:spTree>
-    <p:extLst>
-      <p:ext uri="{BB962C8B-B14F-4D97-AF65-F5344CB8AC3E}">
-        <p14:creationId xmlns:p14="http://schemas.microsoft.com/office/powerpoint/2010/main" val="3077230707"/>
-      </p:ext>
-    </p:extLst>
-  </p:cSld>
-  <p:clrMapOvr>
-    <a:masterClrMapping/>
-  </p:clrMapOvr>
-</p:sld>
-</file>
-
 <file path=ppt/slides/slide3.xml><?xml version="1.0" encoding="utf-8"?>
 <p:sld xmlns:a="http://schemas.openxmlformats.org/drawingml/2006/main" xmlns:r="http://schemas.openxmlformats.org/officeDocument/2006/relationships" xmlns:p="http://schemas.openxmlformats.org/presentationml/2006/main">
   <p:cSld>
